--- a/publications_and_presentations/RobertIvieSRC.pptx
+++ b/publications_and_presentations/RobertIvieSRC.pptx
@@ -5,10 +5,10 @@
     <p:sldMasterId id="2147483660" r:id="rId1"/>
   </p:sldMasterIdLst>
   <p:notesMasterIdLst>
-    <p:notesMasterId r:id="rId22"/>
+    <p:notesMasterId r:id="rId23"/>
   </p:notesMasterIdLst>
   <p:handoutMasterIdLst>
-    <p:handoutMasterId r:id="rId23"/>
+    <p:handoutMasterId r:id="rId24"/>
   </p:handoutMasterIdLst>
   <p:sldIdLst>
     <p:sldId id="258" r:id="rId2"/>
@@ -31,6 +31,7 @@
     <p:sldId id="275" r:id="rId19"/>
     <p:sldId id="281" r:id="rId20"/>
     <p:sldId id="263" r:id="rId21"/>
+    <p:sldId id="282" r:id="rId22"/>
   </p:sldIdLst>
   <p:sldSz cx="9144000" cy="6858000" type="screen4x3"/>
   <p:notesSz cx="6858000" cy="9144000"/>
@@ -176,22 +177,22 @@
                 <c:formatCode>General</c:formatCode>
                 <c:ptCount val="6"/>
                 <c:pt idx="0">
-                  <c:v>0</c:v>
+                  <c:v>0.0</c:v>
                 </c:pt>
                 <c:pt idx="1">
-                  <c:v>10</c:v>
+                  <c:v>10.0</c:v>
                 </c:pt>
                 <c:pt idx="2">
-                  <c:v>20</c:v>
+                  <c:v>20.0</c:v>
                 </c:pt>
                 <c:pt idx="3">
-                  <c:v>30</c:v>
+                  <c:v>30.0</c:v>
                 </c:pt>
                 <c:pt idx="4">
-                  <c:v>40</c:v>
+                  <c:v>40.0</c:v>
                 </c:pt>
                 <c:pt idx="5">
-                  <c:v>50</c:v>
+                  <c:v>50.0</c:v>
                 </c:pt>
               </c:numCache>
             </c:numRef>
@@ -203,22 +204,22 @@
                 <c:formatCode>General</c:formatCode>
                 <c:ptCount val="6"/>
                 <c:pt idx="0">
-                  <c:v>1</c:v>
+                  <c:v>1.0</c:v>
                 </c:pt>
                 <c:pt idx="1">
-                  <c:v>2</c:v>
+                  <c:v>2.0</c:v>
                 </c:pt>
                 <c:pt idx="2">
-                  <c:v>3</c:v>
+                  <c:v>3.0</c:v>
                 </c:pt>
                 <c:pt idx="3">
-                  <c:v>2</c:v>
+                  <c:v>2.0</c:v>
                 </c:pt>
                 <c:pt idx="4">
-                  <c:v>1</c:v>
+                  <c:v>1.0</c:v>
                 </c:pt>
                 <c:pt idx="5">
-                  <c:v>0</c:v>
+                  <c:v>0.0</c:v>
                 </c:pt>
               </c:numCache>
             </c:numRef>
@@ -249,22 +250,22 @@
                 <c:formatCode>General</c:formatCode>
                 <c:ptCount val="6"/>
                 <c:pt idx="0">
-                  <c:v>0</c:v>
+                  <c:v>0.0</c:v>
                 </c:pt>
                 <c:pt idx="1">
-                  <c:v>10</c:v>
+                  <c:v>10.0</c:v>
                 </c:pt>
                 <c:pt idx="2">
-                  <c:v>20</c:v>
+                  <c:v>20.0</c:v>
                 </c:pt>
                 <c:pt idx="3">
-                  <c:v>30</c:v>
+                  <c:v>30.0</c:v>
                 </c:pt>
                 <c:pt idx="4">
-                  <c:v>40</c:v>
+                  <c:v>40.0</c:v>
                 </c:pt>
                 <c:pt idx="5">
-                  <c:v>50</c:v>
+                  <c:v>50.0</c:v>
                 </c:pt>
               </c:numCache>
             </c:numRef>
@@ -276,22 +277,22 @@
                 <c:formatCode>General</c:formatCode>
                 <c:ptCount val="6"/>
                 <c:pt idx="0">
-                  <c:v>1</c:v>
+                  <c:v>1.0</c:v>
                 </c:pt>
                 <c:pt idx="1">
-                  <c:v>1</c:v>
+                  <c:v>1.0</c:v>
                 </c:pt>
                 <c:pt idx="2">
-                  <c:v>1</c:v>
+                  <c:v>1.0</c:v>
                 </c:pt>
                 <c:pt idx="3">
-                  <c:v>1</c:v>
+                  <c:v>1.0</c:v>
                 </c:pt>
                 <c:pt idx="4">
-                  <c:v>0</c:v>
+                  <c:v>0.0</c:v>
                 </c:pt>
                 <c:pt idx="5">
-                  <c:v>0</c:v>
+                  <c:v>0.0</c:v>
                 </c:pt>
               </c:numCache>
             </c:numRef>
@@ -322,22 +323,22 @@
                 <c:formatCode>General</c:formatCode>
                 <c:ptCount val="6"/>
                 <c:pt idx="0">
-                  <c:v>0</c:v>
+                  <c:v>0.0</c:v>
                 </c:pt>
                 <c:pt idx="1">
-                  <c:v>10</c:v>
+                  <c:v>10.0</c:v>
                 </c:pt>
                 <c:pt idx="2">
-                  <c:v>20</c:v>
+                  <c:v>20.0</c:v>
                 </c:pt>
                 <c:pt idx="3">
-                  <c:v>30</c:v>
+                  <c:v>30.0</c:v>
                 </c:pt>
                 <c:pt idx="4">
-                  <c:v>40</c:v>
+                  <c:v>40.0</c:v>
                 </c:pt>
                 <c:pt idx="5">
-                  <c:v>50</c:v>
+                  <c:v>50.0</c:v>
                 </c:pt>
               </c:numCache>
             </c:numRef>
@@ -349,13 +350,13 @@
                 <c:formatCode>General</c:formatCode>
                 <c:ptCount val="6"/>
                 <c:pt idx="1">
-                  <c:v>10</c:v>
+                  <c:v>10.0</c:v>
                 </c:pt>
                 <c:pt idx="3">
-                  <c:v>20</c:v>
+                  <c:v>20.0</c:v>
                 </c:pt>
                 <c:pt idx="5">
-                  <c:v>10</c:v>
+                  <c:v>10.0</c:v>
                 </c:pt>
               </c:numCache>
             </c:numRef>
@@ -370,14 +371,14 @@
           <c:showPercent val="0"/>
           <c:showBubbleSize val="0"/>
         </c:dLbls>
-        <c:axId val="87664128"/>
-        <c:axId val="87665664"/>
+        <c:axId val="2055312600"/>
+        <c:axId val="2055469032"/>
       </c:scatterChart>
       <c:valAx>
-        <c:axId val="87664128"/>
+        <c:axId val="2055312600"/>
         <c:scaling>
           <c:orientation val="minMax"/>
-          <c:max val="50"/>
+          <c:max val="50.0"/>
         </c:scaling>
         <c:delete val="0"/>
         <c:axPos val="b"/>
@@ -395,12 +396,12 @@
             <a:endParaRPr lang="en-US"/>
           </a:p>
         </c:txPr>
-        <c:crossAx val="87665664"/>
+        <c:crossAx val="2055469032"/>
         <c:crosses val="autoZero"/>
         <c:crossBetween val="midCat"/>
       </c:valAx>
       <c:valAx>
-        <c:axId val="87665664"/>
+        <c:axId val="2055469032"/>
         <c:scaling>
           <c:orientation val="minMax"/>
         </c:scaling>
@@ -421,13 +422,14 @@
             <a:endParaRPr lang="en-US"/>
           </a:p>
         </c:txPr>
-        <c:crossAx val="87664128"/>
+        <c:crossAx val="2055312600"/>
         <c:crosses val="autoZero"/>
         <c:crossBetween val="midCat"/>
       </c:valAx>
     </c:plotArea>
     <c:legend>
       <c:legendPos val="r"/>
+      <c:layout/>
       <c:overlay val="0"/>
       <c:txPr>
         <a:bodyPr/>
@@ -502,289 +504,289 @@
                 <c:formatCode>General</c:formatCode>
                 <c:ptCount val="95"/>
                 <c:pt idx="0">
-                  <c:v>0</c:v>
+                  <c:v>0.0</c:v>
                 </c:pt>
                 <c:pt idx="1">
-                  <c:v>1</c:v>
+                  <c:v>1.0</c:v>
                 </c:pt>
                 <c:pt idx="2">
-                  <c:v>2</c:v>
+                  <c:v>2.0</c:v>
                 </c:pt>
                 <c:pt idx="3">
-                  <c:v>3</c:v>
+                  <c:v>3.0</c:v>
                 </c:pt>
                 <c:pt idx="4">
-                  <c:v>4</c:v>
+                  <c:v>4.0</c:v>
                 </c:pt>
                 <c:pt idx="5">
-                  <c:v>14</c:v>
+                  <c:v>14.0</c:v>
                 </c:pt>
                 <c:pt idx="6">
-                  <c:v>15</c:v>
+                  <c:v>15.0</c:v>
                 </c:pt>
                 <c:pt idx="7">
-                  <c:v>16</c:v>
+                  <c:v>16.0</c:v>
                 </c:pt>
                 <c:pt idx="8">
-                  <c:v>17</c:v>
+                  <c:v>17.0</c:v>
                 </c:pt>
                 <c:pt idx="9">
-                  <c:v>18</c:v>
+                  <c:v>18.0</c:v>
                 </c:pt>
                 <c:pt idx="10">
-                  <c:v>19</c:v>
+                  <c:v>19.0</c:v>
                 </c:pt>
                 <c:pt idx="11">
-                  <c:v>28</c:v>
+                  <c:v>28.0</c:v>
                 </c:pt>
                 <c:pt idx="12">
-                  <c:v>29</c:v>
+                  <c:v>29.0</c:v>
                 </c:pt>
                 <c:pt idx="13">
-                  <c:v>30</c:v>
+                  <c:v>30.0</c:v>
                 </c:pt>
                 <c:pt idx="14">
-                  <c:v>31</c:v>
+                  <c:v>31.0</c:v>
                 </c:pt>
                 <c:pt idx="15">
-                  <c:v>32</c:v>
+                  <c:v>32.0</c:v>
                 </c:pt>
                 <c:pt idx="16">
-                  <c:v>82</c:v>
+                  <c:v>82.0</c:v>
                 </c:pt>
                 <c:pt idx="17">
-                  <c:v>83</c:v>
+                  <c:v>83.0</c:v>
                 </c:pt>
                 <c:pt idx="18">
-                  <c:v>84</c:v>
+                  <c:v>84.0</c:v>
                 </c:pt>
                 <c:pt idx="19">
-                  <c:v>85</c:v>
+                  <c:v>85.0</c:v>
                 </c:pt>
                 <c:pt idx="20">
-                  <c:v>86</c:v>
+                  <c:v>86.0</c:v>
                 </c:pt>
                 <c:pt idx="21">
-                  <c:v>96</c:v>
+                  <c:v>96.0</c:v>
                 </c:pt>
                 <c:pt idx="22">
-                  <c:v>97</c:v>
+                  <c:v>97.0</c:v>
                 </c:pt>
                 <c:pt idx="23">
-                  <c:v>98</c:v>
+                  <c:v>98.0</c:v>
                 </c:pt>
                 <c:pt idx="24">
-                  <c:v>99</c:v>
+                  <c:v>99.0</c:v>
                 </c:pt>
                 <c:pt idx="25">
-                  <c:v>100</c:v>
+                  <c:v>100.0</c:v>
                 </c:pt>
                 <c:pt idx="26">
-                  <c:v>101</c:v>
+                  <c:v>101.0</c:v>
                 </c:pt>
                 <c:pt idx="27">
-                  <c:v>102</c:v>
+                  <c:v>102.0</c:v>
                 </c:pt>
                 <c:pt idx="28">
-                  <c:v>103</c:v>
+                  <c:v>103.0</c:v>
                 </c:pt>
                 <c:pt idx="29">
-                  <c:v>104</c:v>
+                  <c:v>104.0</c:v>
                 </c:pt>
                 <c:pt idx="30">
-                  <c:v>114</c:v>
+                  <c:v>114.0</c:v>
                 </c:pt>
                 <c:pt idx="31">
-                  <c:v>115</c:v>
+                  <c:v>115.0</c:v>
                 </c:pt>
                 <c:pt idx="32">
-                  <c:v>116</c:v>
+                  <c:v>116.0</c:v>
                 </c:pt>
                 <c:pt idx="33">
-                  <c:v>117</c:v>
+                  <c:v>117.0</c:v>
                 </c:pt>
                 <c:pt idx="34">
-                  <c:v>118</c:v>
+                  <c:v>118.0</c:v>
                 </c:pt>
                 <c:pt idx="35">
-                  <c:v>119</c:v>
+                  <c:v>119.0</c:v>
                 </c:pt>
                 <c:pt idx="36">
-                  <c:v>120</c:v>
+                  <c:v>120.0</c:v>
                 </c:pt>
                 <c:pt idx="37">
-                  <c:v>121</c:v>
+                  <c:v>121.0</c:v>
                 </c:pt>
                 <c:pt idx="38">
-                  <c:v>122</c:v>
+                  <c:v>122.0</c:v>
                 </c:pt>
                 <c:pt idx="39">
-                  <c:v>123</c:v>
+                  <c:v>123.0</c:v>
                 </c:pt>
                 <c:pt idx="40">
-                  <c:v>173</c:v>
+                  <c:v>173.0</c:v>
                 </c:pt>
                 <c:pt idx="41">
-                  <c:v>174</c:v>
+                  <c:v>174.0</c:v>
                 </c:pt>
                 <c:pt idx="42">
-                  <c:v>175</c:v>
+                  <c:v>175.0</c:v>
                 </c:pt>
                 <c:pt idx="43">
-                  <c:v>176</c:v>
+                  <c:v>176.0</c:v>
                 </c:pt>
                 <c:pt idx="44">
-                  <c:v>177</c:v>
+                  <c:v>177.0</c:v>
                 </c:pt>
                 <c:pt idx="45">
-                  <c:v>178</c:v>
+                  <c:v>178.0</c:v>
                 </c:pt>
                 <c:pt idx="46">
-                  <c:v>179</c:v>
+                  <c:v>179.0</c:v>
                 </c:pt>
                 <c:pt idx="47">
-                  <c:v>189</c:v>
+                  <c:v>189.0</c:v>
                 </c:pt>
                 <c:pt idx="48">
-                  <c:v>190</c:v>
+                  <c:v>190.0</c:v>
                 </c:pt>
                 <c:pt idx="49">
-                  <c:v>191</c:v>
+                  <c:v>191.0</c:v>
                 </c:pt>
                 <c:pt idx="50">
-                  <c:v>192</c:v>
+                  <c:v>192.0</c:v>
                 </c:pt>
                 <c:pt idx="51">
-                  <c:v>193</c:v>
+                  <c:v>193.0</c:v>
                 </c:pt>
                 <c:pt idx="52">
-                  <c:v>194</c:v>
+                  <c:v>194.0</c:v>
                 </c:pt>
                 <c:pt idx="53">
-                  <c:v>204</c:v>
+                  <c:v>204.0</c:v>
                 </c:pt>
                 <c:pt idx="54">
-                  <c:v>205</c:v>
+                  <c:v>205.0</c:v>
                 </c:pt>
                 <c:pt idx="55">
-                  <c:v>206</c:v>
+                  <c:v>206.0</c:v>
                 </c:pt>
                 <c:pt idx="56">
-                  <c:v>207</c:v>
+                  <c:v>207.0</c:v>
                 </c:pt>
                 <c:pt idx="57">
-                  <c:v>208</c:v>
+                  <c:v>208.0</c:v>
                 </c:pt>
                 <c:pt idx="58">
-                  <c:v>209</c:v>
+                  <c:v>209.0</c:v>
                 </c:pt>
                 <c:pt idx="59">
-                  <c:v>219</c:v>
+                  <c:v>219.0</c:v>
                 </c:pt>
                 <c:pt idx="60">
-                  <c:v>220</c:v>
+                  <c:v>220.0</c:v>
                 </c:pt>
                 <c:pt idx="61">
-                  <c:v>221</c:v>
+                  <c:v>221.0</c:v>
                 </c:pt>
                 <c:pt idx="62">
-                  <c:v>222</c:v>
+                  <c:v>222.0</c:v>
                 </c:pt>
                 <c:pt idx="63">
-                  <c:v>223</c:v>
+                  <c:v>223.0</c:v>
                 </c:pt>
                 <c:pt idx="64">
-                  <c:v>224</c:v>
+                  <c:v>224.0</c:v>
                 </c:pt>
                 <c:pt idx="65">
-                  <c:v>234</c:v>
+                  <c:v>234.0</c:v>
                 </c:pt>
                 <c:pt idx="66">
-                  <c:v>235</c:v>
+                  <c:v>235.0</c:v>
                 </c:pt>
                 <c:pt idx="67">
-                  <c:v>236</c:v>
+                  <c:v>236.0</c:v>
                 </c:pt>
                 <c:pt idx="68">
-                  <c:v>237</c:v>
+                  <c:v>237.0</c:v>
                 </c:pt>
                 <c:pt idx="69">
-                  <c:v>238</c:v>
+                  <c:v>238.0</c:v>
                 </c:pt>
                 <c:pt idx="70">
-                  <c:v>239</c:v>
+                  <c:v>239.0</c:v>
                 </c:pt>
                 <c:pt idx="71">
-                  <c:v>249</c:v>
+                  <c:v>249.0</c:v>
                 </c:pt>
                 <c:pt idx="72">
-                  <c:v>250</c:v>
+                  <c:v>250.0</c:v>
                 </c:pt>
                 <c:pt idx="73">
-                  <c:v>251</c:v>
+                  <c:v>251.0</c:v>
                 </c:pt>
                 <c:pt idx="74">
-                  <c:v>252</c:v>
+                  <c:v>252.0</c:v>
                 </c:pt>
                 <c:pt idx="75">
-                  <c:v>253</c:v>
+                  <c:v>253.0</c:v>
                 </c:pt>
                 <c:pt idx="76">
-                  <c:v>254</c:v>
+                  <c:v>254.0</c:v>
                 </c:pt>
                 <c:pt idx="77">
-                  <c:v>264</c:v>
+                  <c:v>264.0</c:v>
                 </c:pt>
                 <c:pt idx="78">
-                  <c:v>265</c:v>
+                  <c:v>265.0</c:v>
                 </c:pt>
                 <c:pt idx="79">
-                  <c:v>266</c:v>
+                  <c:v>266.0</c:v>
                 </c:pt>
                 <c:pt idx="80">
-                  <c:v>267</c:v>
+                  <c:v>267.0</c:v>
                 </c:pt>
                 <c:pt idx="81">
-                  <c:v>268</c:v>
+                  <c:v>268.0</c:v>
                 </c:pt>
                 <c:pt idx="82">
-                  <c:v>269</c:v>
+                  <c:v>269.0</c:v>
                 </c:pt>
                 <c:pt idx="83">
-                  <c:v>279</c:v>
+                  <c:v>279.0</c:v>
                 </c:pt>
                 <c:pt idx="84">
-                  <c:v>280</c:v>
+                  <c:v>280.0</c:v>
                 </c:pt>
                 <c:pt idx="85">
-                  <c:v>281</c:v>
+                  <c:v>281.0</c:v>
                 </c:pt>
                 <c:pt idx="86">
-                  <c:v>282</c:v>
+                  <c:v>282.0</c:v>
                 </c:pt>
                 <c:pt idx="87">
-                  <c:v>283</c:v>
+                  <c:v>283.0</c:v>
                 </c:pt>
                 <c:pt idx="88">
-                  <c:v>284</c:v>
+                  <c:v>284.0</c:v>
                 </c:pt>
                 <c:pt idx="89">
-                  <c:v>294</c:v>
+                  <c:v>294.0</c:v>
                 </c:pt>
                 <c:pt idx="90">
-                  <c:v>295</c:v>
+                  <c:v>295.0</c:v>
                 </c:pt>
                 <c:pt idx="91">
-                  <c:v>296</c:v>
+                  <c:v>296.0</c:v>
                 </c:pt>
                 <c:pt idx="92">
-                  <c:v>297</c:v>
+                  <c:v>297.0</c:v>
                 </c:pt>
                 <c:pt idx="93">
-                  <c:v>298</c:v>
+                  <c:v>298.0</c:v>
                 </c:pt>
                 <c:pt idx="94">
-                  <c:v>299</c:v>
+                  <c:v>299.0</c:v>
                 </c:pt>
               </c:numCache>
             </c:numRef>
@@ -796,289 +798,289 @@
                 <c:formatCode>General</c:formatCode>
                 <c:ptCount val="95"/>
                 <c:pt idx="0">
-                  <c:v>4</c:v>
+                  <c:v>4.0</c:v>
                 </c:pt>
                 <c:pt idx="1">
-                  <c:v>5</c:v>
+                  <c:v>5.0</c:v>
                 </c:pt>
                 <c:pt idx="2">
-                  <c:v>5</c:v>
+                  <c:v>5.0</c:v>
                 </c:pt>
                 <c:pt idx="3">
-                  <c:v>6</c:v>
+                  <c:v>6.0</c:v>
                 </c:pt>
                 <c:pt idx="4">
-                  <c:v>5</c:v>
+                  <c:v>5.0</c:v>
                 </c:pt>
                 <c:pt idx="5">
-                  <c:v>6</c:v>
+                  <c:v>6.0</c:v>
                 </c:pt>
                 <c:pt idx="6">
-                  <c:v>4</c:v>
+                  <c:v>4.0</c:v>
                 </c:pt>
                 <c:pt idx="7">
-                  <c:v>6</c:v>
+                  <c:v>6.0</c:v>
                 </c:pt>
                 <c:pt idx="8">
-                  <c:v>7</c:v>
+                  <c:v>7.0</c:v>
                 </c:pt>
                 <c:pt idx="9">
-                  <c:v>7</c:v>
+                  <c:v>7.0</c:v>
                 </c:pt>
                 <c:pt idx="10">
-                  <c:v>6</c:v>
+                  <c:v>6.0</c:v>
                 </c:pt>
                 <c:pt idx="11">
-                  <c:v>7</c:v>
+                  <c:v>7.0</c:v>
                 </c:pt>
                 <c:pt idx="12">
-                  <c:v>4</c:v>
+                  <c:v>4.0</c:v>
                 </c:pt>
                 <c:pt idx="13">
-                  <c:v>4</c:v>
+                  <c:v>4.0</c:v>
                 </c:pt>
                 <c:pt idx="14">
-                  <c:v>5</c:v>
+                  <c:v>5.0</c:v>
                 </c:pt>
                 <c:pt idx="15">
-                  <c:v>5</c:v>
+                  <c:v>5.0</c:v>
                 </c:pt>
                 <c:pt idx="16">
-                  <c:v>5</c:v>
+                  <c:v>5.0</c:v>
                 </c:pt>
                 <c:pt idx="17">
-                  <c:v>4</c:v>
+                  <c:v>4.0</c:v>
                 </c:pt>
                 <c:pt idx="18">
-                  <c:v>5</c:v>
+                  <c:v>5.0</c:v>
                 </c:pt>
                 <c:pt idx="19">
-                  <c:v>6</c:v>
+                  <c:v>6.0</c:v>
                 </c:pt>
                 <c:pt idx="20">
-                  <c:v>5</c:v>
+                  <c:v>5.0</c:v>
                 </c:pt>
                 <c:pt idx="21">
-                  <c:v>6</c:v>
+                  <c:v>6.0</c:v>
                 </c:pt>
                 <c:pt idx="22">
-                  <c:v>4</c:v>
+                  <c:v>4.0</c:v>
                 </c:pt>
                 <c:pt idx="23">
-                  <c:v>5</c:v>
+                  <c:v>5.0</c:v>
                 </c:pt>
                 <c:pt idx="24">
-                  <c:v>6</c:v>
+                  <c:v>6.0</c:v>
                 </c:pt>
                 <c:pt idx="25">
-                  <c:v>6</c:v>
+                  <c:v>6.0</c:v>
                 </c:pt>
                 <c:pt idx="26">
-                  <c:v>6</c:v>
+                  <c:v>6.0</c:v>
                 </c:pt>
                 <c:pt idx="27">
-                  <c:v>7</c:v>
+                  <c:v>7.0</c:v>
                 </c:pt>
                 <c:pt idx="28">
-                  <c:v>8</c:v>
+                  <c:v>8.0</c:v>
                 </c:pt>
                 <c:pt idx="29">
-                  <c:v>7</c:v>
+                  <c:v>7.0</c:v>
                 </c:pt>
                 <c:pt idx="30">
-                  <c:v>8</c:v>
+                  <c:v>8.0</c:v>
                 </c:pt>
                 <c:pt idx="31">
-                  <c:v>7</c:v>
+                  <c:v>7.0</c:v>
                 </c:pt>
                 <c:pt idx="32">
-                  <c:v>6</c:v>
+                  <c:v>6.0</c:v>
                 </c:pt>
                 <c:pt idx="33">
-                  <c:v>6</c:v>
+                  <c:v>6.0</c:v>
                 </c:pt>
                 <c:pt idx="34">
-                  <c:v>6</c:v>
+                  <c:v>6.0</c:v>
                 </c:pt>
                 <c:pt idx="35">
-                  <c:v>6</c:v>
+                  <c:v>6.0</c:v>
                 </c:pt>
                 <c:pt idx="36">
-                  <c:v>6</c:v>
+                  <c:v>6.0</c:v>
                 </c:pt>
                 <c:pt idx="37">
-                  <c:v>6</c:v>
+                  <c:v>6.0</c:v>
                 </c:pt>
                 <c:pt idx="38">
-                  <c:v>5</c:v>
+                  <c:v>5.0</c:v>
                 </c:pt>
                 <c:pt idx="39">
-                  <c:v>6</c:v>
+                  <c:v>6.0</c:v>
                 </c:pt>
                 <c:pt idx="40">
-                  <c:v>6</c:v>
+                  <c:v>6.0</c:v>
                 </c:pt>
                 <c:pt idx="41">
-                  <c:v>6</c:v>
+                  <c:v>6.0</c:v>
                 </c:pt>
                 <c:pt idx="42">
-                  <c:v>5</c:v>
+                  <c:v>5.0</c:v>
                 </c:pt>
                 <c:pt idx="43">
-                  <c:v>6</c:v>
+                  <c:v>6.0</c:v>
                 </c:pt>
                 <c:pt idx="44">
-                  <c:v>6</c:v>
+                  <c:v>6.0</c:v>
                 </c:pt>
                 <c:pt idx="45">
-                  <c:v>5</c:v>
+                  <c:v>5.0</c:v>
                 </c:pt>
                 <c:pt idx="46">
-                  <c:v>6</c:v>
+                  <c:v>6.0</c:v>
                 </c:pt>
                 <c:pt idx="47">
-                  <c:v>7</c:v>
+                  <c:v>7.0</c:v>
                 </c:pt>
                 <c:pt idx="48">
-                  <c:v>6</c:v>
+                  <c:v>6.0</c:v>
                 </c:pt>
                 <c:pt idx="49">
-                  <c:v>5</c:v>
+                  <c:v>5.0</c:v>
                 </c:pt>
                 <c:pt idx="50">
-                  <c:v>6</c:v>
+                  <c:v>6.0</c:v>
                 </c:pt>
                 <c:pt idx="51">
-                  <c:v>7</c:v>
+                  <c:v>7.0</c:v>
                 </c:pt>
                 <c:pt idx="52">
-                  <c:v>6</c:v>
+                  <c:v>6.0</c:v>
                 </c:pt>
                 <c:pt idx="53">
-                  <c:v>7</c:v>
+                  <c:v>7.0</c:v>
                 </c:pt>
                 <c:pt idx="54">
-                  <c:v>6</c:v>
+                  <c:v>6.0</c:v>
                 </c:pt>
                 <c:pt idx="55">
-                  <c:v>5</c:v>
+                  <c:v>5.0</c:v>
                 </c:pt>
                 <c:pt idx="56">
-                  <c:v>6</c:v>
+                  <c:v>6.0</c:v>
                 </c:pt>
                 <c:pt idx="57">
-                  <c:v>7</c:v>
+                  <c:v>7.0</c:v>
                 </c:pt>
                 <c:pt idx="58">
-                  <c:v>6</c:v>
+                  <c:v>6.0</c:v>
                 </c:pt>
                 <c:pt idx="59">
-                  <c:v>7</c:v>
+                  <c:v>7.0</c:v>
                 </c:pt>
                 <c:pt idx="60">
-                  <c:v>6</c:v>
+                  <c:v>6.0</c:v>
                 </c:pt>
                 <c:pt idx="61">
-                  <c:v>5</c:v>
+                  <c:v>5.0</c:v>
                 </c:pt>
                 <c:pt idx="62">
-                  <c:v>6</c:v>
+                  <c:v>6.0</c:v>
                 </c:pt>
                 <c:pt idx="63">
-                  <c:v>7</c:v>
+                  <c:v>7.0</c:v>
                 </c:pt>
                 <c:pt idx="64">
-                  <c:v>6</c:v>
+                  <c:v>6.0</c:v>
                 </c:pt>
                 <c:pt idx="65">
-                  <c:v>7</c:v>
+                  <c:v>7.0</c:v>
                 </c:pt>
                 <c:pt idx="66">
-                  <c:v>6</c:v>
+                  <c:v>6.0</c:v>
                 </c:pt>
                 <c:pt idx="67">
-                  <c:v>5</c:v>
+                  <c:v>5.0</c:v>
                 </c:pt>
                 <c:pt idx="68">
-                  <c:v>6</c:v>
+                  <c:v>6.0</c:v>
                 </c:pt>
                 <c:pt idx="69">
-                  <c:v>7</c:v>
+                  <c:v>7.0</c:v>
                 </c:pt>
                 <c:pt idx="70">
-                  <c:v>6</c:v>
+                  <c:v>6.0</c:v>
                 </c:pt>
                 <c:pt idx="71">
-                  <c:v>7</c:v>
+                  <c:v>7.0</c:v>
                 </c:pt>
                 <c:pt idx="72">
-                  <c:v>6</c:v>
+                  <c:v>6.0</c:v>
                 </c:pt>
                 <c:pt idx="73">
-                  <c:v>5</c:v>
+                  <c:v>5.0</c:v>
                 </c:pt>
                 <c:pt idx="74">
-                  <c:v>6</c:v>
+                  <c:v>6.0</c:v>
                 </c:pt>
                 <c:pt idx="75">
-                  <c:v>7</c:v>
+                  <c:v>7.0</c:v>
                 </c:pt>
                 <c:pt idx="76">
-                  <c:v>6</c:v>
+                  <c:v>6.0</c:v>
                 </c:pt>
                 <c:pt idx="77">
-                  <c:v>7</c:v>
+                  <c:v>7.0</c:v>
                 </c:pt>
                 <c:pt idx="78">
-                  <c:v>6</c:v>
+                  <c:v>6.0</c:v>
                 </c:pt>
                 <c:pt idx="79">
-                  <c:v>5</c:v>
+                  <c:v>5.0</c:v>
                 </c:pt>
                 <c:pt idx="80">
-                  <c:v>6</c:v>
+                  <c:v>6.0</c:v>
                 </c:pt>
                 <c:pt idx="81">
-                  <c:v>7</c:v>
+                  <c:v>7.0</c:v>
                 </c:pt>
                 <c:pt idx="82">
-                  <c:v>6</c:v>
+                  <c:v>6.0</c:v>
                 </c:pt>
                 <c:pt idx="83">
-                  <c:v>7</c:v>
+                  <c:v>7.0</c:v>
                 </c:pt>
                 <c:pt idx="84">
-                  <c:v>6</c:v>
+                  <c:v>6.0</c:v>
                 </c:pt>
                 <c:pt idx="85">
-                  <c:v>5</c:v>
+                  <c:v>5.0</c:v>
                 </c:pt>
                 <c:pt idx="86">
-                  <c:v>6</c:v>
+                  <c:v>6.0</c:v>
                 </c:pt>
                 <c:pt idx="87">
-                  <c:v>7</c:v>
+                  <c:v>7.0</c:v>
                 </c:pt>
                 <c:pt idx="88">
-                  <c:v>6</c:v>
+                  <c:v>6.0</c:v>
                 </c:pt>
                 <c:pt idx="89">
-                  <c:v>7</c:v>
+                  <c:v>7.0</c:v>
                 </c:pt>
                 <c:pt idx="90">
-                  <c:v>6</c:v>
+                  <c:v>6.0</c:v>
                 </c:pt>
                 <c:pt idx="91">
-                  <c:v>5</c:v>
+                  <c:v>5.0</c:v>
                 </c:pt>
                 <c:pt idx="92">
-                  <c:v>6</c:v>
+                  <c:v>6.0</c:v>
                 </c:pt>
                 <c:pt idx="93">
-                  <c:v>7</c:v>
+                  <c:v>7.0</c:v>
                 </c:pt>
                 <c:pt idx="94">
-                  <c:v>6</c:v>
+                  <c:v>6.0</c:v>
                 </c:pt>
               </c:numCache>
             </c:numRef>
@@ -1117,289 +1119,289 @@
                 <c:formatCode>General</c:formatCode>
                 <c:ptCount val="95"/>
                 <c:pt idx="0">
-                  <c:v>0</c:v>
+                  <c:v>0.0</c:v>
                 </c:pt>
                 <c:pt idx="1">
-                  <c:v>1</c:v>
+                  <c:v>1.0</c:v>
                 </c:pt>
                 <c:pt idx="2">
-                  <c:v>2</c:v>
+                  <c:v>2.0</c:v>
                 </c:pt>
                 <c:pt idx="3">
-                  <c:v>3</c:v>
+                  <c:v>3.0</c:v>
                 </c:pt>
                 <c:pt idx="4">
-                  <c:v>4</c:v>
+                  <c:v>4.0</c:v>
                 </c:pt>
                 <c:pt idx="5">
-                  <c:v>14</c:v>
+                  <c:v>14.0</c:v>
                 </c:pt>
                 <c:pt idx="6">
-                  <c:v>15</c:v>
+                  <c:v>15.0</c:v>
                 </c:pt>
                 <c:pt idx="7">
-                  <c:v>16</c:v>
+                  <c:v>16.0</c:v>
                 </c:pt>
                 <c:pt idx="8">
-                  <c:v>17</c:v>
+                  <c:v>17.0</c:v>
                 </c:pt>
                 <c:pt idx="9">
-                  <c:v>18</c:v>
+                  <c:v>18.0</c:v>
                 </c:pt>
                 <c:pt idx="10">
-                  <c:v>19</c:v>
+                  <c:v>19.0</c:v>
                 </c:pt>
                 <c:pt idx="11">
-                  <c:v>28</c:v>
+                  <c:v>28.0</c:v>
                 </c:pt>
                 <c:pt idx="12">
-                  <c:v>29</c:v>
+                  <c:v>29.0</c:v>
                 </c:pt>
                 <c:pt idx="13">
-                  <c:v>30</c:v>
+                  <c:v>30.0</c:v>
                 </c:pt>
                 <c:pt idx="14">
-                  <c:v>31</c:v>
+                  <c:v>31.0</c:v>
                 </c:pt>
                 <c:pt idx="15">
-                  <c:v>32</c:v>
+                  <c:v>32.0</c:v>
                 </c:pt>
                 <c:pt idx="16">
-                  <c:v>82</c:v>
+                  <c:v>82.0</c:v>
                 </c:pt>
                 <c:pt idx="17">
-                  <c:v>83</c:v>
+                  <c:v>83.0</c:v>
                 </c:pt>
                 <c:pt idx="18">
-                  <c:v>84</c:v>
+                  <c:v>84.0</c:v>
                 </c:pt>
                 <c:pt idx="19">
-                  <c:v>85</c:v>
+                  <c:v>85.0</c:v>
                 </c:pt>
                 <c:pt idx="20">
-                  <c:v>86</c:v>
+                  <c:v>86.0</c:v>
                 </c:pt>
                 <c:pt idx="21">
-                  <c:v>96</c:v>
+                  <c:v>96.0</c:v>
                 </c:pt>
                 <c:pt idx="22">
-                  <c:v>97</c:v>
+                  <c:v>97.0</c:v>
                 </c:pt>
                 <c:pt idx="23">
-                  <c:v>98</c:v>
+                  <c:v>98.0</c:v>
                 </c:pt>
                 <c:pt idx="24">
-                  <c:v>99</c:v>
+                  <c:v>99.0</c:v>
                 </c:pt>
                 <c:pt idx="25">
-                  <c:v>100</c:v>
+                  <c:v>100.0</c:v>
                 </c:pt>
                 <c:pt idx="26">
-                  <c:v>101</c:v>
+                  <c:v>101.0</c:v>
                 </c:pt>
                 <c:pt idx="27">
-                  <c:v>102</c:v>
+                  <c:v>102.0</c:v>
                 </c:pt>
                 <c:pt idx="28">
-                  <c:v>103</c:v>
+                  <c:v>103.0</c:v>
                 </c:pt>
                 <c:pt idx="29">
-                  <c:v>104</c:v>
+                  <c:v>104.0</c:v>
                 </c:pt>
                 <c:pt idx="30">
-                  <c:v>114</c:v>
+                  <c:v>114.0</c:v>
                 </c:pt>
                 <c:pt idx="31">
-                  <c:v>115</c:v>
+                  <c:v>115.0</c:v>
                 </c:pt>
                 <c:pt idx="32">
-                  <c:v>116</c:v>
+                  <c:v>116.0</c:v>
                 </c:pt>
                 <c:pt idx="33">
-                  <c:v>117</c:v>
+                  <c:v>117.0</c:v>
                 </c:pt>
                 <c:pt idx="34">
-                  <c:v>118</c:v>
+                  <c:v>118.0</c:v>
                 </c:pt>
                 <c:pt idx="35">
-                  <c:v>119</c:v>
+                  <c:v>119.0</c:v>
                 </c:pt>
                 <c:pt idx="36">
-                  <c:v>120</c:v>
+                  <c:v>120.0</c:v>
                 </c:pt>
                 <c:pt idx="37">
-                  <c:v>121</c:v>
+                  <c:v>121.0</c:v>
                 </c:pt>
                 <c:pt idx="38">
-                  <c:v>122</c:v>
+                  <c:v>122.0</c:v>
                 </c:pt>
                 <c:pt idx="39">
-                  <c:v>123</c:v>
+                  <c:v>123.0</c:v>
                 </c:pt>
                 <c:pt idx="40">
-                  <c:v>173</c:v>
+                  <c:v>173.0</c:v>
                 </c:pt>
                 <c:pt idx="41">
-                  <c:v>174</c:v>
+                  <c:v>174.0</c:v>
                 </c:pt>
                 <c:pt idx="42">
-                  <c:v>175</c:v>
+                  <c:v>175.0</c:v>
                 </c:pt>
                 <c:pt idx="43">
-                  <c:v>176</c:v>
+                  <c:v>176.0</c:v>
                 </c:pt>
                 <c:pt idx="44">
-                  <c:v>177</c:v>
+                  <c:v>177.0</c:v>
                 </c:pt>
                 <c:pt idx="45">
-                  <c:v>178</c:v>
+                  <c:v>178.0</c:v>
                 </c:pt>
                 <c:pt idx="46">
-                  <c:v>179</c:v>
+                  <c:v>179.0</c:v>
                 </c:pt>
                 <c:pt idx="47">
-                  <c:v>189</c:v>
+                  <c:v>189.0</c:v>
                 </c:pt>
                 <c:pt idx="48">
-                  <c:v>190</c:v>
+                  <c:v>190.0</c:v>
                 </c:pt>
                 <c:pt idx="49">
-                  <c:v>191</c:v>
+                  <c:v>191.0</c:v>
                 </c:pt>
                 <c:pt idx="50">
-                  <c:v>192</c:v>
+                  <c:v>192.0</c:v>
                 </c:pt>
                 <c:pt idx="51">
-                  <c:v>193</c:v>
+                  <c:v>193.0</c:v>
                 </c:pt>
                 <c:pt idx="52">
-                  <c:v>194</c:v>
+                  <c:v>194.0</c:v>
                 </c:pt>
                 <c:pt idx="53">
-                  <c:v>204</c:v>
+                  <c:v>204.0</c:v>
                 </c:pt>
                 <c:pt idx="54">
-                  <c:v>205</c:v>
+                  <c:v>205.0</c:v>
                 </c:pt>
                 <c:pt idx="55">
-                  <c:v>206</c:v>
+                  <c:v>206.0</c:v>
                 </c:pt>
                 <c:pt idx="56">
-                  <c:v>207</c:v>
+                  <c:v>207.0</c:v>
                 </c:pt>
                 <c:pt idx="57">
-                  <c:v>208</c:v>
+                  <c:v>208.0</c:v>
                 </c:pt>
                 <c:pt idx="58">
-                  <c:v>209</c:v>
+                  <c:v>209.0</c:v>
                 </c:pt>
                 <c:pt idx="59">
-                  <c:v>219</c:v>
+                  <c:v>219.0</c:v>
                 </c:pt>
                 <c:pt idx="60">
-                  <c:v>220</c:v>
+                  <c:v>220.0</c:v>
                 </c:pt>
                 <c:pt idx="61">
-                  <c:v>221</c:v>
+                  <c:v>221.0</c:v>
                 </c:pt>
                 <c:pt idx="62">
-                  <c:v>222</c:v>
+                  <c:v>222.0</c:v>
                 </c:pt>
                 <c:pt idx="63">
-                  <c:v>223</c:v>
+                  <c:v>223.0</c:v>
                 </c:pt>
                 <c:pt idx="64">
-                  <c:v>224</c:v>
+                  <c:v>224.0</c:v>
                 </c:pt>
                 <c:pt idx="65">
-                  <c:v>234</c:v>
+                  <c:v>234.0</c:v>
                 </c:pt>
                 <c:pt idx="66">
-                  <c:v>235</c:v>
+                  <c:v>235.0</c:v>
                 </c:pt>
                 <c:pt idx="67">
-                  <c:v>236</c:v>
+                  <c:v>236.0</c:v>
                 </c:pt>
                 <c:pt idx="68">
-                  <c:v>237</c:v>
+                  <c:v>237.0</c:v>
                 </c:pt>
                 <c:pt idx="69">
-                  <c:v>238</c:v>
+                  <c:v>238.0</c:v>
                 </c:pt>
                 <c:pt idx="70">
-                  <c:v>239</c:v>
+                  <c:v>239.0</c:v>
                 </c:pt>
                 <c:pt idx="71">
-                  <c:v>249</c:v>
+                  <c:v>249.0</c:v>
                 </c:pt>
                 <c:pt idx="72">
-                  <c:v>250</c:v>
+                  <c:v>250.0</c:v>
                 </c:pt>
                 <c:pt idx="73">
-                  <c:v>251</c:v>
+                  <c:v>251.0</c:v>
                 </c:pt>
                 <c:pt idx="74">
-                  <c:v>252</c:v>
+                  <c:v>252.0</c:v>
                 </c:pt>
                 <c:pt idx="75">
-                  <c:v>253</c:v>
+                  <c:v>253.0</c:v>
                 </c:pt>
                 <c:pt idx="76">
-                  <c:v>254</c:v>
+                  <c:v>254.0</c:v>
                 </c:pt>
                 <c:pt idx="77">
-                  <c:v>264</c:v>
+                  <c:v>264.0</c:v>
                 </c:pt>
                 <c:pt idx="78">
-                  <c:v>265</c:v>
+                  <c:v>265.0</c:v>
                 </c:pt>
                 <c:pt idx="79">
-                  <c:v>266</c:v>
+                  <c:v>266.0</c:v>
                 </c:pt>
                 <c:pt idx="80">
-                  <c:v>267</c:v>
+                  <c:v>267.0</c:v>
                 </c:pt>
                 <c:pt idx="81">
-                  <c:v>268</c:v>
+                  <c:v>268.0</c:v>
                 </c:pt>
                 <c:pt idx="82">
-                  <c:v>269</c:v>
+                  <c:v>269.0</c:v>
                 </c:pt>
                 <c:pt idx="83">
-                  <c:v>279</c:v>
+                  <c:v>279.0</c:v>
                 </c:pt>
                 <c:pt idx="84">
-                  <c:v>280</c:v>
+                  <c:v>280.0</c:v>
                 </c:pt>
                 <c:pt idx="85">
-                  <c:v>281</c:v>
+                  <c:v>281.0</c:v>
                 </c:pt>
                 <c:pt idx="86">
-                  <c:v>282</c:v>
+                  <c:v>282.0</c:v>
                 </c:pt>
                 <c:pt idx="87">
-                  <c:v>283</c:v>
+                  <c:v>283.0</c:v>
                 </c:pt>
                 <c:pt idx="88">
-                  <c:v>284</c:v>
+                  <c:v>284.0</c:v>
                 </c:pt>
                 <c:pt idx="89">
-                  <c:v>294</c:v>
+                  <c:v>294.0</c:v>
                 </c:pt>
                 <c:pt idx="90">
-                  <c:v>295</c:v>
+                  <c:v>295.0</c:v>
                 </c:pt>
                 <c:pt idx="91">
-                  <c:v>296</c:v>
+                  <c:v>296.0</c:v>
                 </c:pt>
                 <c:pt idx="92">
-                  <c:v>297</c:v>
+                  <c:v>297.0</c:v>
                 </c:pt>
                 <c:pt idx="93">
-                  <c:v>298</c:v>
+                  <c:v>298.0</c:v>
                 </c:pt>
                 <c:pt idx="94">
-                  <c:v>299</c:v>
+                  <c:v>299.0</c:v>
                 </c:pt>
               </c:numCache>
             </c:numRef>
@@ -1411,289 +1413,289 @@
                 <c:formatCode>General</c:formatCode>
                 <c:ptCount val="95"/>
                 <c:pt idx="0">
-                  <c:v>0</c:v>
+                  <c:v>0.0</c:v>
                 </c:pt>
                 <c:pt idx="1">
-                  <c:v>1</c:v>
+                  <c:v>1.0</c:v>
                 </c:pt>
                 <c:pt idx="2">
-                  <c:v>2</c:v>
+                  <c:v>2.0</c:v>
                 </c:pt>
                 <c:pt idx="3">
-                  <c:v>2</c:v>
+                  <c:v>2.0</c:v>
                 </c:pt>
                 <c:pt idx="4">
-                  <c:v>3</c:v>
+                  <c:v>3.0</c:v>
                 </c:pt>
                 <c:pt idx="5">
-                  <c:v>2</c:v>
+                  <c:v>2.0</c:v>
                 </c:pt>
                 <c:pt idx="6">
-                  <c:v>2</c:v>
+                  <c:v>2.0</c:v>
                 </c:pt>
                 <c:pt idx="7">
-                  <c:v>3</c:v>
+                  <c:v>3.0</c:v>
                 </c:pt>
                 <c:pt idx="8">
-                  <c:v>2</c:v>
+                  <c:v>2.0</c:v>
                 </c:pt>
                 <c:pt idx="9">
-                  <c:v>3</c:v>
+                  <c:v>3.0</c:v>
                 </c:pt>
                 <c:pt idx="10">
-                  <c:v>2</c:v>
+                  <c:v>2.0</c:v>
                 </c:pt>
                 <c:pt idx="11">
-                  <c:v>2</c:v>
+                  <c:v>2.0</c:v>
                 </c:pt>
                 <c:pt idx="12">
-                  <c:v>2</c:v>
+                  <c:v>2.0</c:v>
                 </c:pt>
                 <c:pt idx="13">
-                  <c:v>1</c:v>
+                  <c:v>1.0</c:v>
                 </c:pt>
                 <c:pt idx="14">
-                  <c:v>2</c:v>
+                  <c:v>2.0</c:v>
                 </c:pt>
                 <c:pt idx="15">
-                  <c:v>1</c:v>
+                  <c:v>1.0</c:v>
                 </c:pt>
                 <c:pt idx="16">
-                  <c:v>1</c:v>
+                  <c:v>1.0</c:v>
                 </c:pt>
                 <c:pt idx="17">
-                  <c:v>1</c:v>
+                  <c:v>1.0</c:v>
                 </c:pt>
                 <c:pt idx="18">
-                  <c:v>1</c:v>
+                  <c:v>1.0</c:v>
                 </c:pt>
                 <c:pt idx="19">
-                  <c:v>1</c:v>
+                  <c:v>1.0</c:v>
                 </c:pt>
                 <c:pt idx="20">
-                  <c:v>1</c:v>
+                  <c:v>1.0</c:v>
                 </c:pt>
                 <c:pt idx="21">
-                  <c:v>2</c:v>
+                  <c:v>2.0</c:v>
                 </c:pt>
                 <c:pt idx="22">
-                  <c:v>2</c:v>
+                  <c:v>2.0</c:v>
                 </c:pt>
                 <c:pt idx="23">
-                  <c:v>0</c:v>
+                  <c:v>0.0</c:v>
                 </c:pt>
                 <c:pt idx="24">
-                  <c:v>1</c:v>
+                  <c:v>1.0</c:v>
                 </c:pt>
                 <c:pt idx="25">
-                  <c:v>3</c:v>
+                  <c:v>3.0</c:v>
                 </c:pt>
                 <c:pt idx="26">
-                  <c:v>3</c:v>
+                  <c:v>3.0</c:v>
                 </c:pt>
                 <c:pt idx="27">
-                  <c:v>1</c:v>
+                  <c:v>1.0</c:v>
                 </c:pt>
                 <c:pt idx="28">
-                  <c:v>1</c:v>
+                  <c:v>1.0</c:v>
                 </c:pt>
                 <c:pt idx="29">
-                  <c:v>1</c:v>
+                  <c:v>1.0</c:v>
                 </c:pt>
                 <c:pt idx="30">
-                  <c:v>2</c:v>
+                  <c:v>2.0</c:v>
                 </c:pt>
                 <c:pt idx="31">
-                  <c:v>2</c:v>
+                  <c:v>2.0</c:v>
                 </c:pt>
                 <c:pt idx="32">
-                  <c:v>3</c:v>
+                  <c:v>3.0</c:v>
                 </c:pt>
                 <c:pt idx="33">
-                  <c:v>1</c:v>
+                  <c:v>1.0</c:v>
                 </c:pt>
                 <c:pt idx="34">
-                  <c:v>1</c:v>
+                  <c:v>1.0</c:v>
                 </c:pt>
                 <c:pt idx="35">
-                  <c:v>2</c:v>
+                  <c:v>2.0</c:v>
                 </c:pt>
                 <c:pt idx="36">
-                  <c:v>2</c:v>
+                  <c:v>2.0</c:v>
                 </c:pt>
                 <c:pt idx="37">
-                  <c:v>4</c:v>
+                  <c:v>4.0</c:v>
                 </c:pt>
                 <c:pt idx="38">
-                  <c:v>4</c:v>
+                  <c:v>4.0</c:v>
                 </c:pt>
                 <c:pt idx="39">
-                  <c:v>1</c:v>
+                  <c:v>1.0</c:v>
                 </c:pt>
                 <c:pt idx="40">
-                  <c:v>1</c:v>
+                  <c:v>1.0</c:v>
                 </c:pt>
                 <c:pt idx="41">
-                  <c:v>3</c:v>
+                  <c:v>3.0</c:v>
                 </c:pt>
                 <c:pt idx="42">
-                  <c:v>3</c:v>
+                  <c:v>3.0</c:v>
                 </c:pt>
                 <c:pt idx="43">
-                  <c:v>1</c:v>
+                  <c:v>1.0</c:v>
                 </c:pt>
                 <c:pt idx="44">
-                  <c:v>1</c:v>
+                  <c:v>1.0</c:v>
                 </c:pt>
                 <c:pt idx="45">
-                  <c:v>1</c:v>
+                  <c:v>1.0</c:v>
                 </c:pt>
                 <c:pt idx="46">
-                  <c:v>1</c:v>
+                  <c:v>1.0</c:v>
                 </c:pt>
                 <c:pt idx="47">
-                  <c:v>2</c:v>
+                  <c:v>2.0</c:v>
                 </c:pt>
                 <c:pt idx="48">
-                  <c:v>3</c:v>
+                  <c:v>3.0</c:v>
                 </c:pt>
                 <c:pt idx="49">
-                  <c:v>4</c:v>
+                  <c:v>4.0</c:v>
                 </c:pt>
                 <c:pt idx="50">
-                  <c:v>2</c:v>
+                  <c:v>2.0</c:v>
                 </c:pt>
                 <c:pt idx="51">
-                  <c:v>1</c:v>
+                  <c:v>1.0</c:v>
                 </c:pt>
                 <c:pt idx="52">
-                  <c:v>1</c:v>
+                  <c:v>1.0</c:v>
                 </c:pt>
                 <c:pt idx="53">
-                  <c:v>2</c:v>
+                  <c:v>2.0</c:v>
                 </c:pt>
                 <c:pt idx="54">
-                  <c:v>3</c:v>
+                  <c:v>3.0</c:v>
                 </c:pt>
                 <c:pt idx="55">
-                  <c:v>4</c:v>
+                  <c:v>4.0</c:v>
                 </c:pt>
                 <c:pt idx="56">
-                  <c:v>2</c:v>
+                  <c:v>2.0</c:v>
                 </c:pt>
                 <c:pt idx="57">
-                  <c:v>1</c:v>
+                  <c:v>1.0</c:v>
                 </c:pt>
                 <c:pt idx="58">
-                  <c:v>1</c:v>
+                  <c:v>1.0</c:v>
                 </c:pt>
                 <c:pt idx="59">
-                  <c:v>2</c:v>
+                  <c:v>2.0</c:v>
                 </c:pt>
                 <c:pt idx="60">
-                  <c:v>3</c:v>
+                  <c:v>3.0</c:v>
                 </c:pt>
                 <c:pt idx="61">
-                  <c:v>4</c:v>
+                  <c:v>4.0</c:v>
                 </c:pt>
                 <c:pt idx="62">
-                  <c:v>2</c:v>
+                  <c:v>2.0</c:v>
                 </c:pt>
                 <c:pt idx="63">
-                  <c:v>1</c:v>
+                  <c:v>1.0</c:v>
                 </c:pt>
                 <c:pt idx="64">
-                  <c:v>1</c:v>
+                  <c:v>1.0</c:v>
                 </c:pt>
                 <c:pt idx="65">
-                  <c:v>2</c:v>
+                  <c:v>2.0</c:v>
                 </c:pt>
                 <c:pt idx="66">
-                  <c:v>3</c:v>
+                  <c:v>3.0</c:v>
                 </c:pt>
                 <c:pt idx="67">
-                  <c:v>4</c:v>
+                  <c:v>4.0</c:v>
                 </c:pt>
                 <c:pt idx="68">
-                  <c:v>2</c:v>
+                  <c:v>2.0</c:v>
                 </c:pt>
                 <c:pt idx="69">
-                  <c:v>1</c:v>
+                  <c:v>1.0</c:v>
                 </c:pt>
                 <c:pt idx="70">
-                  <c:v>1</c:v>
+                  <c:v>1.0</c:v>
                 </c:pt>
                 <c:pt idx="71">
-                  <c:v>2</c:v>
+                  <c:v>2.0</c:v>
                 </c:pt>
                 <c:pt idx="72">
-                  <c:v>3</c:v>
+                  <c:v>3.0</c:v>
                 </c:pt>
                 <c:pt idx="73">
-                  <c:v>4</c:v>
+                  <c:v>4.0</c:v>
                 </c:pt>
                 <c:pt idx="74">
-                  <c:v>2</c:v>
+                  <c:v>2.0</c:v>
                 </c:pt>
                 <c:pt idx="75">
-                  <c:v>1</c:v>
+                  <c:v>1.0</c:v>
                 </c:pt>
                 <c:pt idx="76">
-                  <c:v>1</c:v>
+                  <c:v>1.0</c:v>
                 </c:pt>
                 <c:pt idx="77">
-                  <c:v>2</c:v>
+                  <c:v>2.0</c:v>
                 </c:pt>
                 <c:pt idx="78">
-                  <c:v>3</c:v>
+                  <c:v>3.0</c:v>
                 </c:pt>
                 <c:pt idx="79">
-                  <c:v>4</c:v>
+                  <c:v>4.0</c:v>
                 </c:pt>
                 <c:pt idx="80">
-                  <c:v>2</c:v>
+                  <c:v>2.0</c:v>
                 </c:pt>
                 <c:pt idx="81">
-                  <c:v>1</c:v>
+                  <c:v>1.0</c:v>
                 </c:pt>
                 <c:pt idx="82">
-                  <c:v>1</c:v>
+                  <c:v>1.0</c:v>
                 </c:pt>
                 <c:pt idx="83">
-                  <c:v>2</c:v>
+                  <c:v>2.0</c:v>
                 </c:pt>
                 <c:pt idx="84">
-                  <c:v>3</c:v>
+                  <c:v>3.0</c:v>
                 </c:pt>
                 <c:pt idx="85">
-                  <c:v>4</c:v>
+                  <c:v>4.0</c:v>
                 </c:pt>
                 <c:pt idx="86">
-                  <c:v>2</c:v>
+                  <c:v>2.0</c:v>
                 </c:pt>
                 <c:pt idx="87">
-                  <c:v>1</c:v>
+                  <c:v>1.0</c:v>
                 </c:pt>
                 <c:pt idx="88">
-                  <c:v>1</c:v>
+                  <c:v>1.0</c:v>
                 </c:pt>
                 <c:pt idx="89">
-                  <c:v>2</c:v>
+                  <c:v>2.0</c:v>
                 </c:pt>
                 <c:pt idx="90">
-                  <c:v>3</c:v>
+                  <c:v>3.0</c:v>
                 </c:pt>
                 <c:pt idx="91">
-                  <c:v>4</c:v>
+                  <c:v>4.0</c:v>
                 </c:pt>
                 <c:pt idx="92">
-                  <c:v>2</c:v>
+                  <c:v>2.0</c:v>
                 </c:pt>
                 <c:pt idx="93">
-                  <c:v>1</c:v>
+                  <c:v>1.0</c:v>
                 </c:pt>
                 <c:pt idx="94">
-                  <c:v>1</c:v>
+                  <c:v>1.0</c:v>
                 </c:pt>
               </c:numCache>
             </c:numRef>
@@ -1732,289 +1734,289 @@
                 <c:formatCode>General</c:formatCode>
                 <c:ptCount val="95"/>
                 <c:pt idx="0">
-                  <c:v>0</c:v>
+                  <c:v>0.0</c:v>
                 </c:pt>
                 <c:pt idx="1">
-                  <c:v>1</c:v>
+                  <c:v>1.0</c:v>
                 </c:pt>
                 <c:pt idx="2">
-                  <c:v>2</c:v>
+                  <c:v>2.0</c:v>
                 </c:pt>
                 <c:pt idx="3">
-                  <c:v>3</c:v>
+                  <c:v>3.0</c:v>
                 </c:pt>
                 <c:pt idx="4">
-                  <c:v>4</c:v>
+                  <c:v>4.0</c:v>
                 </c:pt>
                 <c:pt idx="5">
-                  <c:v>14</c:v>
+                  <c:v>14.0</c:v>
                 </c:pt>
                 <c:pt idx="6">
-                  <c:v>15</c:v>
+                  <c:v>15.0</c:v>
                 </c:pt>
                 <c:pt idx="7">
-                  <c:v>16</c:v>
+                  <c:v>16.0</c:v>
                 </c:pt>
                 <c:pt idx="8">
-                  <c:v>17</c:v>
+                  <c:v>17.0</c:v>
                 </c:pt>
                 <c:pt idx="9">
-                  <c:v>18</c:v>
+                  <c:v>18.0</c:v>
                 </c:pt>
                 <c:pt idx="10">
-                  <c:v>19</c:v>
+                  <c:v>19.0</c:v>
                 </c:pt>
                 <c:pt idx="11">
-                  <c:v>28</c:v>
+                  <c:v>28.0</c:v>
                 </c:pt>
                 <c:pt idx="12">
-                  <c:v>29</c:v>
+                  <c:v>29.0</c:v>
                 </c:pt>
                 <c:pt idx="13">
-                  <c:v>30</c:v>
+                  <c:v>30.0</c:v>
                 </c:pt>
                 <c:pt idx="14">
-                  <c:v>31</c:v>
+                  <c:v>31.0</c:v>
                 </c:pt>
                 <c:pt idx="15">
-                  <c:v>32</c:v>
+                  <c:v>32.0</c:v>
                 </c:pt>
                 <c:pt idx="16">
-                  <c:v>82</c:v>
+                  <c:v>82.0</c:v>
                 </c:pt>
                 <c:pt idx="17">
-                  <c:v>83</c:v>
+                  <c:v>83.0</c:v>
                 </c:pt>
                 <c:pt idx="18">
-                  <c:v>84</c:v>
+                  <c:v>84.0</c:v>
                 </c:pt>
                 <c:pt idx="19">
-                  <c:v>85</c:v>
+                  <c:v>85.0</c:v>
                 </c:pt>
                 <c:pt idx="20">
-                  <c:v>86</c:v>
+                  <c:v>86.0</c:v>
                 </c:pt>
                 <c:pt idx="21">
-                  <c:v>96</c:v>
+                  <c:v>96.0</c:v>
                 </c:pt>
                 <c:pt idx="22">
-                  <c:v>97</c:v>
+                  <c:v>97.0</c:v>
                 </c:pt>
                 <c:pt idx="23">
-                  <c:v>98</c:v>
+                  <c:v>98.0</c:v>
                 </c:pt>
                 <c:pt idx="24">
-                  <c:v>99</c:v>
+                  <c:v>99.0</c:v>
                 </c:pt>
                 <c:pt idx="25">
-                  <c:v>100</c:v>
+                  <c:v>100.0</c:v>
                 </c:pt>
                 <c:pt idx="26">
-                  <c:v>101</c:v>
+                  <c:v>101.0</c:v>
                 </c:pt>
                 <c:pt idx="27">
-                  <c:v>102</c:v>
+                  <c:v>102.0</c:v>
                 </c:pt>
                 <c:pt idx="28">
-                  <c:v>103</c:v>
+                  <c:v>103.0</c:v>
                 </c:pt>
                 <c:pt idx="29">
-                  <c:v>104</c:v>
+                  <c:v>104.0</c:v>
                 </c:pt>
                 <c:pt idx="30">
-                  <c:v>114</c:v>
+                  <c:v>114.0</c:v>
                 </c:pt>
                 <c:pt idx="31">
-                  <c:v>115</c:v>
+                  <c:v>115.0</c:v>
                 </c:pt>
                 <c:pt idx="32">
-                  <c:v>116</c:v>
+                  <c:v>116.0</c:v>
                 </c:pt>
                 <c:pt idx="33">
-                  <c:v>117</c:v>
+                  <c:v>117.0</c:v>
                 </c:pt>
                 <c:pt idx="34">
-                  <c:v>118</c:v>
+                  <c:v>118.0</c:v>
                 </c:pt>
                 <c:pt idx="35">
-                  <c:v>119</c:v>
+                  <c:v>119.0</c:v>
                 </c:pt>
                 <c:pt idx="36">
-                  <c:v>120</c:v>
+                  <c:v>120.0</c:v>
                 </c:pt>
                 <c:pt idx="37">
-                  <c:v>121</c:v>
+                  <c:v>121.0</c:v>
                 </c:pt>
                 <c:pt idx="38">
-                  <c:v>122</c:v>
+                  <c:v>122.0</c:v>
                 </c:pt>
                 <c:pt idx="39">
-                  <c:v>123</c:v>
+                  <c:v>123.0</c:v>
                 </c:pt>
                 <c:pt idx="40">
-                  <c:v>173</c:v>
+                  <c:v>173.0</c:v>
                 </c:pt>
                 <c:pt idx="41">
-                  <c:v>174</c:v>
+                  <c:v>174.0</c:v>
                 </c:pt>
                 <c:pt idx="42">
-                  <c:v>175</c:v>
+                  <c:v>175.0</c:v>
                 </c:pt>
                 <c:pt idx="43">
-                  <c:v>176</c:v>
+                  <c:v>176.0</c:v>
                 </c:pt>
                 <c:pt idx="44">
-                  <c:v>177</c:v>
+                  <c:v>177.0</c:v>
                 </c:pt>
                 <c:pt idx="45">
-                  <c:v>178</c:v>
+                  <c:v>178.0</c:v>
                 </c:pt>
                 <c:pt idx="46">
-                  <c:v>179</c:v>
+                  <c:v>179.0</c:v>
                 </c:pt>
                 <c:pt idx="47">
-                  <c:v>189</c:v>
+                  <c:v>189.0</c:v>
                 </c:pt>
                 <c:pt idx="48">
-                  <c:v>190</c:v>
+                  <c:v>190.0</c:v>
                 </c:pt>
                 <c:pt idx="49">
-                  <c:v>191</c:v>
+                  <c:v>191.0</c:v>
                 </c:pt>
                 <c:pt idx="50">
-                  <c:v>192</c:v>
+                  <c:v>192.0</c:v>
                 </c:pt>
                 <c:pt idx="51">
-                  <c:v>193</c:v>
+                  <c:v>193.0</c:v>
                 </c:pt>
                 <c:pt idx="52">
-                  <c:v>194</c:v>
+                  <c:v>194.0</c:v>
                 </c:pt>
                 <c:pt idx="53">
-                  <c:v>204</c:v>
+                  <c:v>204.0</c:v>
                 </c:pt>
                 <c:pt idx="54">
-                  <c:v>205</c:v>
+                  <c:v>205.0</c:v>
                 </c:pt>
                 <c:pt idx="55">
-                  <c:v>206</c:v>
+                  <c:v>206.0</c:v>
                 </c:pt>
                 <c:pt idx="56">
-                  <c:v>207</c:v>
+                  <c:v>207.0</c:v>
                 </c:pt>
                 <c:pt idx="57">
-                  <c:v>208</c:v>
+                  <c:v>208.0</c:v>
                 </c:pt>
                 <c:pt idx="58">
-                  <c:v>209</c:v>
+                  <c:v>209.0</c:v>
                 </c:pt>
                 <c:pt idx="59">
-                  <c:v>219</c:v>
+                  <c:v>219.0</c:v>
                 </c:pt>
                 <c:pt idx="60">
-                  <c:v>220</c:v>
+                  <c:v>220.0</c:v>
                 </c:pt>
                 <c:pt idx="61">
-                  <c:v>221</c:v>
+                  <c:v>221.0</c:v>
                 </c:pt>
                 <c:pt idx="62">
-                  <c:v>222</c:v>
+                  <c:v>222.0</c:v>
                 </c:pt>
                 <c:pt idx="63">
-                  <c:v>223</c:v>
+                  <c:v>223.0</c:v>
                 </c:pt>
                 <c:pt idx="64">
-                  <c:v>224</c:v>
+                  <c:v>224.0</c:v>
                 </c:pt>
                 <c:pt idx="65">
-                  <c:v>234</c:v>
+                  <c:v>234.0</c:v>
                 </c:pt>
                 <c:pt idx="66">
-                  <c:v>235</c:v>
+                  <c:v>235.0</c:v>
                 </c:pt>
                 <c:pt idx="67">
-                  <c:v>236</c:v>
+                  <c:v>236.0</c:v>
                 </c:pt>
                 <c:pt idx="68">
-                  <c:v>237</c:v>
+                  <c:v>237.0</c:v>
                 </c:pt>
                 <c:pt idx="69">
-                  <c:v>238</c:v>
+                  <c:v>238.0</c:v>
                 </c:pt>
                 <c:pt idx="70">
-                  <c:v>239</c:v>
+                  <c:v>239.0</c:v>
                 </c:pt>
                 <c:pt idx="71">
-                  <c:v>249</c:v>
+                  <c:v>249.0</c:v>
                 </c:pt>
                 <c:pt idx="72">
-                  <c:v>250</c:v>
+                  <c:v>250.0</c:v>
                 </c:pt>
                 <c:pt idx="73">
-                  <c:v>251</c:v>
+                  <c:v>251.0</c:v>
                 </c:pt>
                 <c:pt idx="74">
-                  <c:v>252</c:v>
+                  <c:v>252.0</c:v>
                 </c:pt>
                 <c:pt idx="75">
-                  <c:v>253</c:v>
+                  <c:v>253.0</c:v>
                 </c:pt>
                 <c:pt idx="76">
-                  <c:v>254</c:v>
+                  <c:v>254.0</c:v>
                 </c:pt>
                 <c:pt idx="77">
-                  <c:v>264</c:v>
+                  <c:v>264.0</c:v>
                 </c:pt>
                 <c:pt idx="78">
-                  <c:v>265</c:v>
+                  <c:v>265.0</c:v>
                 </c:pt>
                 <c:pt idx="79">
-                  <c:v>266</c:v>
+                  <c:v>266.0</c:v>
                 </c:pt>
                 <c:pt idx="80">
-                  <c:v>267</c:v>
+                  <c:v>267.0</c:v>
                 </c:pt>
                 <c:pt idx="81">
-                  <c:v>268</c:v>
+                  <c:v>268.0</c:v>
                 </c:pt>
                 <c:pt idx="82">
-                  <c:v>269</c:v>
+                  <c:v>269.0</c:v>
                 </c:pt>
                 <c:pt idx="83">
-                  <c:v>279</c:v>
+                  <c:v>279.0</c:v>
                 </c:pt>
                 <c:pt idx="84">
-                  <c:v>280</c:v>
+                  <c:v>280.0</c:v>
                 </c:pt>
                 <c:pt idx="85">
-                  <c:v>281</c:v>
+                  <c:v>281.0</c:v>
                 </c:pt>
                 <c:pt idx="86">
-                  <c:v>282</c:v>
+                  <c:v>282.0</c:v>
                 </c:pt>
                 <c:pt idx="87">
-                  <c:v>283</c:v>
+                  <c:v>283.0</c:v>
                 </c:pt>
                 <c:pt idx="88">
-                  <c:v>284</c:v>
+                  <c:v>284.0</c:v>
                 </c:pt>
                 <c:pt idx="89">
-                  <c:v>294</c:v>
+                  <c:v>294.0</c:v>
                 </c:pt>
                 <c:pt idx="90">
-                  <c:v>295</c:v>
+                  <c:v>295.0</c:v>
                 </c:pt>
                 <c:pt idx="91">
-                  <c:v>296</c:v>
+                  <c:v>296.0</c:v>
                 </c:pt>
                 <c:pt idx="92">
-                  <c:v>297</c:v>
+                  <c:v>297.0</c:v>
                 </c:pt>
                 <c:pt idx="93">
-                  <c:v>298</c:v>
+                  <c:v>298.0</c:v>
                 </c:pt>
                 <c:pt idx="94">
-                  <c:v>299</c:v>
+                  <c:v>299.0</c:v>
                 </c:pt>
               </c:numCache>
             </c:numRef>
@@ -2026,37 +2028,37 @@
                 <c:formatCode>General</c:formatCode>
                 <c:ptCount val="95"/>
                 <c:pt idx="12">
-                  <c:v>0.65517241379310298</c:v>
+                  <c:v>0.655172413793103</c:v>
                 </c:pt>
                 <c:pt idx="15">
-                  <c:v>0.10344827586206801</c:v>
+                  <c:v>0.103448275862068</c:v>
                 </c:pt>
                 <c:pt idx="20">
-                  <c:v>0.17241379310344801</c:v>
+                  <c:v>0.172413793103448</c:v>
                 </c:pt>
                 <c:pt idx="32">
-                  <c:v>0.51724137931034397</c:v>
+                  <c:v>0.517241379310344</c:v>
                 </c:pt>
                 <c:pt idx="39">
-                  <c:v>0.37931034482758602</c:v>
+                  <c:v>0.379310344827586</c:v>
                 </c:pt>
                 <c:pt idx="41">
-                  <c:v>6.8965517241379296E-2</c:v>
+                  <c:v>0.0689655172413793</c:v>
                 </c:pt>
                 <c:pt idx="52">
-                  <c:v>0.44827586206896503</c:v>
+                  <c:v>0.448275862068965</c:v>
                 </c:pt>
                 <c:pt idx="64">
-                  <c:v>0.55172413793103403</c:v>
+                  <c:v>0.551724137931034</c:v>
                 </c:pt>
                 <c:pt idx="76">
-                  <c:v>0.55172413793103403</c:v>
+                  <c:v>0.551724137931034</c:v>
                 </c:pt>
                 <c:pt idx="88">
-                  <c:v>0.55172413793103403</c:v>
+                  <c:v>0.551724137931034</c:v>
                 </c:pt>
                 <c:pt idx="94">
-                  <c:v>0.27586206896551702</c:v>
+                  <c:v>0.275862068965517</c:v>
                 </c:pt>
               </c:numCache>
             </c:numRef>
@@ -2071,14 +2073,14 @@
           <c:showPercent val="0"/>
           <c:showBubbleSize val="0"/>
         </c:dLbls>
-        <c:axId val="88639360"/>
-        <c:axId val="88640896"/>
+        <c:axId val="-2119319800"/>
+        <c:axId val="-2119317288"/>
       </c:scatterChart>
       <c:valAx>
-        <c:axId val="88639360"/>
+        <c:axId val="-2119319800"/>
         <c:scaling>
           <c:orientation val="minMax"/>
-          <c:max val="300"/>
+          <c:max val="300.0"/>
         </c:scaling>
         <c:delete val="0"/>
         <c:axPos val="b"/>
@@ -2096,12 +2098,12 @@
             <a:endParaRPr lang="en-US"/>
           </a:p>
         </c:txPr>
-        <c:crossAx val="88640896"/>
+        <c:crossAx val="-2119317288"/>
         <c:crosses val="autoZero"/>
         <c:crossBetween val="midCat"/>
       </c:valAx>
       <c:valAx>
-        <c:axId val="88640896"/>
+        <c:axId val="-2119317288"/>
         <c:scaling>
           <c:orientation val="minMax"/>
         </c:scaling>
@@ -2122,13 +2124,14 @@
             <a:endParaRPr lang="en-US"/>
           </a:p>
         </c:txPr>
-        <c:crossAx val="88639360"/>
+        <c:crossAx val="-2119319800"/>
         <c:crosses val="autoZero"/>
         <c:crossBetween val="midCat"/>
       </c:valAx>
     </c:plotArea>
     <c:legend>
       <c:legendPos val="r"/>
+      <c:layout/>
       <c:overlay val="0"/>
       <c:txPr>
         <a:bodyPr/>
@@ -2233,7 +2236,7 @@
           <a:p>
             <a:fld id="{355BB6C9-9EB7-3A4E-A583-884C369CBAAC}" type="datetimeFigureOut">
               <a:rPr lang="en-US" smtClean="0"/>
-              <a:t>3/14/2014</a:t>
+              <a:t>3/18/14</a:t>
             </a:fld>
             <a:endParaRPr lang="en-US"/>
           </a:p>
@@ -2398,7 +2401,7 @@
           <a:p>
             <a:fld id="{80138516-6C4E-5E40-ACF9-183F75650A9C}" type="datetimeFigureOut">
               <a:rPr lang="en-US" smtClean="0"/>
-              <a:t>3/14/2014</a:t>
+              <a:t>3/18/14</a:t>
             </a:fld>
             <a:endParaRPr lang="en-US"/>
           </a:p>
@@ -4282,7 +4285,7 @@
           <a:p>
             <a:fld id="{1D0303D5-BFAE-BF45-A6DE-E2DC10F811E7}" type="datetimeFigureOut">
               <a:rPr lang="en-US" smtClean="0"/>
-              <a:t>3/14/2014</a:t>
+              <a:t>3/18/14</a:t>
             </a:fld>
             <a:endParaRPr lang="en-US"/>
           </a:p>
@@ -6444,7 +6447,7 @@
           <a:p>
             <a:fld id="{1D0303D5-BFAE-BF45-A6DE-E2DC10F811E7}" type="datetimeFigureOut">
               <a:rPr lang="en-US" smtClean="0"/>
-              <a:t>3/14/2014</a:t>
+              <a:t>3/18/14</a:t>
             </a:fld>
             <a:endParaRPr lang="en-US"/>
           </a:p>
@@ -7024,7 +7027,7 @@
   <p:timing>
     <p:tnLst>
       <p:par>
-        <p:cTn id="1" dur="indefinite" restart="never" nodeType="tmRoot"/>
+        <p:cTn xmlns:p14="http://schemas.microsoft.com/office/powerpoint/2010/main" id="1" dur="indefinite" restart="never" nodeType="tmRoot"/>
       </p:par>
     </p:tnLst>
   </p:timing>
@@ -7542,7 +7545,7 @@
   <p:timing>
     <p:tnLst>
       <p:par>
-        <p:cTn id="1" dur="indefinite" restart="never" nodeType="tmRoot"/>
+        <p:cTn xmlns:p14="http://schemas.microsoft.com/office/powerpoint/2010/main" id="1" dur="indefinite" restart="never" nodeType="tmRoot"/>
       </p:par>
     </p:tnLst>
   </p:timing>
@@ -8418,7 +8421,7 @@
   <p:timing>
     <p:tnLst>
       <p:par>
-        <p:cTn id="1" dur="indefinite" restart="never" nodeType="tmRoot"/>
+        <p:cTn xmlns:p14="http://schemas.microsoft.com/office/powerpoint/2010/main" id="1" dur="indefinite" restart="never" nodeType="tmRoot"/>
       </p:par>
     </p:tnLst>
   </p:timing>
@@ -9413,7 +9416,7 @@
   <p:timing>
     <p:tnLst>
       <p:par>
-        <p:cTn id="1" dur="indefinite" restart="never" nodeType="tmRoot"/>
+        <p:cTn xmlns:p14="http://schemas.microsoft.com/office/powerpoint/2010/main" id="1" dur="indefinite" restart="never" nodeType="tmRoot"/>
       </p:par>
     </p:tnLst>
   </p:timing>
@@ -10237,7 +10240,7 @@
   <p:timing>
     <p:tnLst>
       <p:par>
-        <p:cTn id="1" dur="indefinite" restart="never" nodeType="tmRoot"/>
+        <p:cTn xmlns:p14="http://schemas.microsoft.com/office/powerpoint/2010/main" id="1" dur="indefinite" restart="never" nodeType="tmRoot"/>
       </p:par>
     </p:tnLst>
   </p:timing>
@@ -11110,7 +11113,7 @@
   <p:timing>
     <p:tnLst>
       <p:par>
-        <p:cTn id="1" dur="indefinite" restart="never" nodeType="tmRoot"/>
+        <p:cTn xmlns:p14="http://schemas.microsoft.com/office/powerpoint/2010/main" id="1" dur="indefinite" restart="never" nodeType="tmRoot"/>
       </p:par>
     </p:tnLst>
   </p:timing>
@@ -11931,7 +11934,7 @@
   <p:timing>
     <p:tnLst>
       <p:par>
-        <p:cTn id="1" dur="indefinite" restart="never" nodeType="tmRoot"/>
+        <p:cTn xmlns:p14="http://schemas.microsoft.com/office/powerpoint/2010/main" id="1" dur="indefinite" restart="never" nodeType="tmRoot"/>
       </p:par>
     </p:tnLst>
   </p:timing>
@@ -12016,7 +12019,7 @@
   <p:timing>
     <p:tnLst>
       <p:par>
-        <p:cTn id="1" dur="indefinite" restart="never" nodeType="tmRoot"/>
+        <p:cTn xmlns:p14="http://schemas.microsoft.com/office/powerpoint/2010/main" id="1" dur="indefinite" restart="never" nodeType="tmRoot"/>
       </p:par>
     </p:tnLst>
   </p:timing>
@@ -12371,687 +12374,1847 @@
           </a:p>
         </p:txBody>
       </p:sp>
+      <p:cxnSp>
+        <p:nvCxnSpPr>
+          <p:cNvPr id="4" name="Straight Arrow Connector 3"/>
+          <p:cNvCxnSpPr/>
+          <p:nvPr/>
+        </p:nvCxnSpPr>
+        <p:spPr>
+          <a:xfrm>
+            <a:off x="1231695" y="1981200"/>
+            <a:ext cx="520905" cy="0"/>
+          </a:xfrm>
+          <a:prstGeom prst="straightConnector1">
+            <a:avLst/>
+          </a:prstGeom>
+          <a:ln w="57150" cmpd="sng">
+            <a:solidFill>
+              <a:srgbClr val="000000"/>
+            </a:solidFill>
+            <a:tailEnd type="arrow"/>
+          </a:ln>
+        </p:spPr>
+        <p:style>
+          <a:lnRef idx="2">
+            <a:schemeClr val="accent1"/>
+          </a:lnRef>
+          <a:fillRef idx="0">
+            <a:schemeClr val="accent1"/>
+          </a:fillRef>
+          <a:effectRef idx="1">
+            <a:schemeClr val="accent1"/>
+          </a:effectRef>
+          <a:fontRef idx="minor">
+            <a:schemeClr val="tx1"/>
+          </a:fontRef>
+        </p:style>
+      </p:cxnSp>
+      <p:cxnSp>
+        <p:nvCxnSpPr>
+          <p:cNvPr id="10" name="Straight Arrow Connector 9"/>
+          <p:cNvCxnSpPr/>
+          <p:nvPr/>
+        </p:nvCxnSpPr>
+        <p:spPr>
+          <a:xfrm flipH="1">
+            <a:off x="1231695" y="2667000"/>
+            <a:ext cx="520905" cy="0"/>
+          </a:xfrm>
+          <a:prstGeom prst="straightConnector1">
+            <a:avLst/>
+          </a:prstGeom>
+          <a:ln w="57150" cmpd="sng">
+            <a:solidFill>
+              <a:srgbClr val="000000"/>
+            </a:solidFill>
+            <a:tailEnd type="arrow"/>
+          </a:ln>
+        </p:spPr>
+        <p:style>
+          <a:lnRef idx="2">
+            <a:schemeClr val="accent1"/>
+          </a:lnRef>
+          <a:fillRef idx="0">
+            <a:schemeClr val="accent1"/>
+          </a:fillRef>
+          <a:effectRef idx="1">
+            <a:schemeClr val="accent1"/>
+          </a:effectRef>
+          <a:fontRef idx="minor">
+            <a:schemeClr val="tx1"/>
+          </a:fontRef>
+        </p:style>
+      </p:cxnSp>
+      <p:cxnSp>
+        <p:nvCxnSpPr>
+          <p:cNvPr id="12" name="Straight Arrow Connector 11"/>
+          <p:cNvCxnSpPr/>
+          <p:nvPr/>
+        </p:nvCxnSpPr>
+        <p:spPr>
+          <a:xfrm>
+            <a:off x="3200400" y="1981200"/>
+            <a:ext cx="609600" cy="0"/>
+          </a:xfrm>
+          <a:prstGeom prst="straightConnector1">
+            <a:avLst/>
+          </a:prstGeom>
+          <a:ln w="57150" cmpd="sng">
+            <a:solidFill>
+              <a:srgbClr val="000000"/>
+            </a:solidFill>
+            <a:tailEnd type="arrow"/>
+          </a:ln>
+        </p:spPr>
+        <p:style>
+          <a:lnRef idx="2">
+            <a:schemeClr val="accent1"/>
+          </a:lnRef>
+          <a:fillRef idx="0">
+            <a:schemeClr val="accent1"/>
+          </a:fillRef>
+          <a:effectRef idx="1">
+            <a:schemeClr val="accent1"/>
+          </a:effectRef>
+          <a:fontRef idx="minor">
+            <a:schemeClr val="tx1"/>
+          </a:fontRef>
+        </p:style>
+      </p:cxnSp>
+      <p:cxnSp>
+        <p:nvCxnSpPr>
+          <p:cNvPr id="14" name="Straight Arrow Connector 13"/>
+          <p:cNvCxnSpPr/>
+          <p:nvPr/>
+        </p:nvCxnSpPr>
+        <p:spPr>
+          <a:xfrm>
+            <a:off x="5325068" y="1981200"/>
+            <a:ext cx="542332" cy="0"/>
+          </a:xfrm>
+          <a:prstGeom prst="straightConnector1">
+            <a:avLst/>
+          </a:prstGeom>
+          <a:ln w="57150" cmpd="sng">
+            <a:solidFill>
+              <a:srgbClr val="000000"/>
+            </a:solidFill>
+            <a:tailEnd type="arrow"/>
+          </a:ln>
+        </p:spPr>
+        <p:style>
+          <a:lnRef idx="2">
+            <a:schemeClr val="accent1"/>
+          </a:lnRef>
+          <a:fillRef idx="0">
+            <a:schemeClr val="accent1"/>
+          </a:fillRef>
+          <a:effectRef idx="1">
+            <a:schemeClr val="accent1"/>
+          </a:effectRef>
+          <a:fontRef idx="minor">
+            <a:schemeClr val="tx1"/>
+          </a:fontRef>
+        </p:style>
+      </p:cxnSp>
+      <p:cxnSp>
+        <p:nvCxnSpPr>
+          <p:cNvPr id="16" name="Straight Arrow Connector 15"/>
+          <p:cNvCxnSpPr/>
+          <p:nvPr/>
+        </p:nvCxnSpPr>
+        <p:spPr>
+          <a:xfrm>
+            <a:off x="7391400" y="1981200"/>
+            <a:ext cx="533400" cy="0"/>
+          </a:xfrm>
+          <a:prstGeom prst="straightConnector1">
+            <a:avLst/>
+          </a:prstGeom>
+          <a:ln w="57150" cmpd="sng">
+            <a:solidFill>
+              <a:srgbClr val="000000"/>
+            </a:solidFill>
+            <a:tailEnd type="arrow"/>
+          </a:ln>
+        </p:spPr>
+        <p:style>
+          <a:lnRef idx="2">
+            <a:schemeClr val="accent1"/>
+          </a:lnRef>
+          <a:fillRef idx="0">
+            <a:schemeClr val="accent1"/>
+          </a:fillRef>
+          <a:effectRef idx="1">
+            <a:schemeClr val="accent1"/>
+          </a:effectRef>
+          <a:fontRef idx="minor">
+            <a:schemeClr val="tx1"/>
+          </a:fontRef>
+        </p:style>
+      </p:cxnSp>
+      <p:cxnSp>
+        <p:nvCxnSpPr>
+          <p:cNvPr id="20" name="Straight Arrow Connector 19"/>
+          <p:cNvCxnSpPr/>
+          <p:nvPr/>
+        </p:nvCxnSpPr>
+        <p:spPr>
+          <a:xfrm flipH="1">
+            <a:off x="3200400" y="2667000"/>
+            <a:ext cx="609600" cy="0"/>
+          </a:xfrm>
+          <a:prstGeom prst="straightConnector1">
+            <a:avLst/>
+          </a:prstGeom>
+          <a:ln w="57150" cmpd="sng">
+            <a:solidFill>
+              <a:srgbClr val="000000"/>
+            </a:solidFill>
+            <a:tailEnd type="arrow"/>
+          </a:ln>
+        </p:spPr>
+        <p:style>
+          <a:lnRef idx="2">
+            <a:schemeClr val="accent1"/>
+          </a:lnRef>
+          <a:fillRef idx="0">
+            <a:schemeClr val="accent1"/>
+          </a:fillRef>
+          <a:effectRef idx="1">
+            <a:schemeClr val="accent1"/>
+          </a:effectRef>
+          <a:fontRef idx="minor">
+            <a:schemeClr val="tx1"/>
+          </a:fontRef>
+        </p:style>
+      </p:cxnSp>
+      <p:cxnSp>
+        <p:nvCxnSpPr>
+          <p:cNvPr id="22" name="Straight Arrow Connector 21"/>
+          <p:cNvCxnSpPr/>
+          <p:nvPr/>
+        </p:nvCxnSpPr>
+        <p:spPr>
+          <a:xfrm flipH="1">
+            <a:off x="5325068" y="2667000"/>
+            <a:ext cx="542332" cy="0"/>
+          </a:xfrm>
+          <a:prstGeom prst="straightConnector1">
+            <a:avLst/>
+          </a:prstGeom>
+          <a:ln w="57150" cmpd="sng">
+            <a:solidFill>
+              <a:srgbClr val="000000"/>
+            </a:solidFill>
+            <a:tailEnd type="arrow"/>
+          </a:ln>
+        </p:spPr>
+        <p:style>
+          <a:lnRef idx="2">
+            <a:schemeClr val="accent1"/>
+          </a:lnRef>
+          <a:fillRef idx="0">
+            <a:schemeClr val="accent1"/>
+          </a:fillRef>
+          <a:effectRef idx="1">
+            <a:schemeClr val="accent1"/>
+          </a:effectRef>
+          <a:fontRef idx="minor">
+            <a:schemeClr val="tx1"/>
+          </a:fontRef>
+        </p:style>
+      </p:cxnSp>
+      <p:cxnSp>
+        <p:nvCxnSpPr>
+          <p:cNvPr id="24" name="Straight Arrow Connector 23"/>
+          <p:cNvCxnSpPr/>
+          <p:nvPr/>
+        </p:nvCxnSpPr>
+        <p:spPr>
+          <a:xfrm flipH="1">
+            <a:off x="7391400" y="2667000"/>
+            <a:ext cx="533400" cy="0"/>
+          </a:xfrm>
+          <a:prstGeom prst="straightConnector1">
+            <a:avLst/>
+          </a:prstGeom>
+          <a:ln w="57150" cmpd="sng">
+            <a:solidFill>
+              <a:srgbClr val="000000"/>
+            </a:solidFill>
+            <a:tailEnd type="arrow"/>
+          </a:ln>
+        </p:spPr>
+        <p:style>
+          <a:lnRef idx="2">
+            <a:schemeClr val="accent1"/>
+          </a:lnRef>
+          <a:fillRef idx="0">
+            <a:schemeClr val="accent1"/>
+          </a:fillRef>
+          <a:effectRef idx="1">
+            <a:schemeClr val="accent1"/>
+          </a:effectRef>
+          <a:fontRef idx="minor">
+            <a:schemeClr val="tx1"/>
+          </a:fontRef>
+        </p:style>
+      </p:cxnSp>
+      <p:cxnSp>
+        <p:nvCxnSpPr>
+          <p:cNvPr id="26" name="Straight Arrow Connector 25"/>
+          <p:cNvCxnSpPr/>
+          <p:nvPr/>
+        </p:nvCxnSpPr>
+        <p:spPr>
+          <a:xfrm>
+            <a:off x="4191000" y="3352800"/>
+            <a:ext cx="0" cy="914401"/>
+          </a:xfrm>
+          <a:prstGeom prst="straightConnector1">
+            <a:avLst/>
+          </a:prstGeom>
+          <a:ln w="57150" cmpd="sng">
+            <a:solidFill>
+              <a:srgbClr val="000000"/>
+            </a:solidFill>
+            <a:tailEnd type="arrow"/>
+          </a:ln>
+        </p:spPr>
+        <p:style>
+          <a:lnRef idx="2">
+            <a:schemeClr val="accent1"/>
+          </a:lnRef>
+          <a:fillRef idx="0">
+            <a:schemeClr val="accent1"/>
+          </a:fillRef>
+          <a:effectRef idx="1">
+            <a:schemeClr val="accent1"/>
+          </a:effectRef>
+          <a:fontRef idx="minor">
+            <a:schemeClr val="tx1"/>
+          </a:fontRef>
+        </p:style>
+      </p:cxnSp>
+      <p:cxnSp>
+        <p:nvCxnSpPr>
+          <p:cNvPr id="28" name="Straight Arrow Connector 27"/>
+          <p:cNvCxnSpPr/>
+          <p:nvPr/>
+        </p:nvCxnSpPr>
+        <p:spPr>
+          <a:xfrm flipV="1">
+            <a:off x="4800600" y="3352800"/>
+            <a:ext cx="0" cy="914401"/>
+          </a:xfrm>
+          <a:prstGeom prst="straightConnector1">
+            <a:avLst/>
+          </a:prstGeom>
+          <a:ln w="57150" cmpd="sng">
+            <a:solidFill>
+              <a:srgbClr val="000000"/>
+            </a:solidFill>
+            <a:tailEnd type="arrow"/>
+          </a:ln>
+        </p:spPr>
+        <p:style>
+          <a:lnRef idx="2">
+            <a:schemeClr val="accent1"/>
+          </a:lnRef>
+          <a:fillRef idx="0">
+            <a:schemeClr val="accent1"/>
+          </a:fillRef>
+          <a:effectRef idx="1">
+            <a:schemeClr val="accent1"/>
+          </a:effectRef>
+          <a:fontRef idx="minor">
+            <a:schemeClr val="tx1"/>
+          </a:fontRef>
+        </p:style>
+      </p:cxnSp>
+      <p:cxnSp>
+        <p:nvCxnSpPr>
+          <p:cNvPr id="50" name="Straight Arrow Connector 49"/>
+          <p:cNvCxnSpPr/>
+          <p:nvPr/>
+        </p:nvCxnSpPr>
+        <p:spPr>
+          <a:xfrm flipV="1">
+            <a:off x="6858000" y="3352800"/>
+            <a:ext cx="0" cy="914401"/>
+          </a:xfrm>
+          <a:prstGeom prst="straightConnector1">
+            <a:avLst/>
+          </a:prstGeom>
+          <a:ln w="57150" cmpd="sng">
+            <a:solidFill>
+              <a:srgbClr val="000000"/>
+            </a:solidFill>
+            <a:tailEnd type="arrow"/>
+          </a:ln>
+        </p:spPr>
+        <p:style>
+          <a:lnRef idx="2">
+            <a:schemeClr val="accent1"/>
+          </a:lnRef>
+          <a:fillRef idx="0">
+            <a:schemeClr val="accent1"/>
+          </a:fillRef>
+          <a:effectRef idx="1">
+            <a:schemeClr val="accent1"/>
+          </a:effectRef>
+          <a:fontRef idx="minor">
+            <a:schemeClr val="tx1"/>
+          </a:fontRef>
+        </p:style>
+      </p:cxnSp>
+      <p:cxnSp>
+        <p:nvCxnSpPr>
+          <p:cNvPr id="55" name="Straight Arrow Connector 54"/>
+          <p:cNvCxnSpPr/>
+          <p:nvPr/>
+        </p:nvCxnSpPr>
+        <p:spPr>
+          <a:xfrm>
+            <a:off x="6248400" y="3352800"/>
+            <a:ext cx="0" cy="914401"/>
+          </a:xfrm>
+          <a:prstGeom prst="straightConnector1">
+            <a:avLst/>
+          </a:prstGeom>
+          <a:ln w="57150" cmpd="sng">
+            <a:solidFill>
+              <a:srgbClr val="000000"/>
+            </a:solidFill>
+            <a:tailEnd type="arrow"/>
+          </a:ln>
+        </p:spPr>
+        <p:style>
+          <a:lnRef idx="2">
+            <a:schemeClr val="accent1"/>
+          </a:lnRef>
+          <a:fillRef idx="0">
+            <a:schemeClr val="accent1"/>
+          </a:fillRef>
+          <a:effectRef idx="1">
+            <a:schemeClr val="accent1"/>
+          </a:effectRef>
+          <a:fontRef idx="minor">
+            <a:schemeClr val="tx1"/>
+          </a:fontRef>
+        </p:style>
+      </p:cxnSp>
+      <p:cxnSp>
+        <p:nvCxnSpPr>
+          <p:cNvPr id="56" name="Straight Arrow Connector 55"/>
+          <p:cNvCxnSpPr/>
+          <p:nvPr/>
+        </p:nvCxnSpPr>
+        <p:spPr>
+          <a:xfrm>
+            <a:off x="5334000" y="4572000"/>
+            <a:ext cx="542332" cy="0"/>
+          </a:xfrm>
+          <a:prstGeom prst="straightConnector1">
+            <a:avLst/>
+          </a:prstGeom>
+          <a:ln w="57150" cmpd="sng">
+            <a:solidFill>
+              <a:srgbClr val="000000"/>
+            </a:solidFill>
+            <a:tailEnd type="arrow"/>
+          </a:ln>
+        </p:spPr>
+        <p:style>
+          <a:lnRef idx="2">
+            <a:schemeClr val="accent1"/>
+          </a:lnRef>
+          <a:fillRef idx="0">
+            <a:schemeClr val="accent1"/>
+          </a:fillRef>
+          <a:effectRef idx="1">
+            <a:schemeClr val="accent1"/>
+          </a:effectRef>
+          <a:fontRef idx="minor">
+            <a:schemeClr val="tx1"/>
+          </a:fontRef>
+        </p:style>
+      </p:cxnSp>
+      <p:cxnSp>
+        <p:nvCxnSpPr>
+          <p:cNvPr id="57" name="Straight Arrow Connector 56"/>
+          <p:cNvCxnSpPr/>
+          <p:nvPr/>
+        </p:nvCxnSpPr>
+        <p:spPr>
+          <a:xfrm flipH="1">
+            <a:off x="5334000" y="5257800"/>
+            <a:ext cx="542332" cy="0"/>
+          </a:xfrm>
+          <a:prstGeom prst="straightConnector1">
+            <a:avLst/>
+          </a:prstGeom>
+          <a:ln w="57150" cmpd="sng">
+            <a:solidFill>
+              <a:srgbClr val="000000"/>
+            </a:solidFill>
+            <a:tailEnd type="arrow"/>
+          </a:ln>
+        </p:spPr>
+        <p:style>
+          <a:lnRef idx="2">
+            <a:schemeClr val="accent1"/>
+          </a:lnRef>
+          <a:fillRef idx="0">
+            <a:schemeClr val="accent1"/>
+          </a:fillRef>
+          <a:effectRef idx="1">
+            <a:schemeClr val="accent1"/>
+          </a:effectRef>
+          <a:fontRef idx="minor">
+            <a:schemeClr val="tx1"/>
+          </a:fontRef>
+        </p:style>
+      </p:cxnSp>
+      <p:cxnSp>
+        <p:nvCxnSpPr>
+          <p:cNvPr id="58" name="Straight Arrow Connector 57"/>
+          <p:cNvCxnSpPr/>
+          <p:nvPr/>
+        </p:nvCxnSpPr>
+        <p:spPr>
+          <a:xfrm>
+            <a:off x="3200400" y="4572000"/>
+            <a:ext cx="609600" cy="0"/>
+          </a:xfrm>
+          <a:prstGeom prst="straightConnector1">
+            <a:avLst/>
+          </a:prstGeom>
+          <a:ln w="57150" cmpd="sng">
+            <a:solidFill>
+              <a:srgbClr val="000000"/>
+            </a:solidFill>
+            <a:tailEnd type="arrow"/>
+          </a:ln>
+        </p:spPr>
+        <p:style>
+          <a:lnRef idx="2">
+            <a:schemeClr val="accent1"/>
+          </a:lnRef>
+          <a:fillRef idx="0">
+            <a:schemeClr val="accent1"/>
+          </a:fillRef>
+          <a:effectRef idx="1">
+            <a:schemeClr val="accent1"/>
+          </a:effectRef>
+          <a:fontRef idx="minor">
+            <a:schemeClr val="tx1"/>
+          </a:fontRef>
+        </p:style>
+      </p:cxnSp>
+      <p:cxnSp>
+        <p:nvCxnSpPr>
+          <p:cNvPr id="59" name="Straight Arrow Connector 58"/>
+          <p:cNvCxnSpPr/>
+          <p:nvPr/>
+        </p:nvCxnSpPr>
+        <p:spPr>
+          <a:xfrm flipH="1">
+            <a:off x="3200400" y="5257800"/>
+            <a:ext cx="609600" cy="0"/>
+          </a:xfrm>
+          <a:prstGeom prst="straightConnector1">
+            <a:avLst/>
+          </a:prstGeom>
+          <a:ln w="57150" cmpd="sng">
+            <a:solidFill>
+              <a:srgbClr val="000000"/>
+            </a:solidFill>
+            <a:tailEnd type="arrow"/>
+          </a:ln>
+        </p:spPr>
+        <p:style>
+          <a:lnRef idx="2">
+            <a:schemeClr val="accent1"/>
+          </a:lnRef>
+          <a:fillRef idx="0">
+            <a:schemeClr val="accent1"/>
+          </a:fillRef>
+          <a:effectRef idx="1">
+            <a:schemeClr val="accent1"/>
+          </a:effectRef>
+          <a:fontRef idx="minor">
+            <a:schemeClr val="tx1"/>
+          </a:fontRef>
+        </p:style>
+      </p:cxnSp>
+      <p:cxnSp>
+        <p:nvCxnSpPr>
+          <p:cNvPr id="60" name="Straight Arrow Connector 59"/>
+          <p:cNvCxnSpPr/>
+          <p:nvPr/>
+        </p:nvCxnSpPr>
+        <p:spPr>
+          <a:xfrm>
+            <a:off x="7391400" y="4572000"/>
+            <a:ext cx="533400" cy="0"/>
+          </a:xfrm>
+          <a:prstGeom prst="straightConnector1">
+            <a:avLst/>
+          </a:prstGeom>
+          <a:ln w="57150" cmpd="sng">
+            <a:solidFill>
+              <a:srgbClr val="000000"/>
+            </a:solidFill>
+            <a:tailEnd type="arrow"/>
+          </a:ln>
+        </p:spPr>
+        <p:style>
+          <a:lnRef idx="2">
+            <a:schemeClr val="accent1"/>
+          </a:lnRef>
+          <a:fillRef idx="0">
+            <a:schemeClr val="accent1"/>
+          </a:fillRef>
+          <a:effectRef idx="1">
+            <a:schemeClr val="accent1"/>
+          </a:effectRef>
+          <a:fontRef idx="minor">
+            <a:schemeClr val="tx1"/>
+          </a:fontRef>
+        </p:style>
+      </p:cxnSp>
+      <p:cxnSp>
+        <p:nvCxnSpPr>
+          <p:cNvPr id="61" name="Straight Arrow Connector 60"/>
+          <p:cNvCxnSpPr/>
+          <p:nvPr/>
+        </p:nvCxnSpPr>
+        <p:spPr>
+          <a:xfrm flipH="1">
+            <a:off x="7391400" y="5257800"/>
+            <a:ext cx="533400" cy="0"/>
+          </a:xfrm>
+          <a:prstGeom prst="straightConnector1">
+            <a:avLst/>
+          </a:prstGeom>
+          <a:ln w="57150" cmpd="sng">
+            <a:solidFill>
+              <a:srgbClr val="000000"/>
+            </a:solidFill>
+            <a:tailEnd type="arrow"/>
+          </a:ln>
+        </p:spPr>
+        <p:style>
+          <a:lnRef idx="2">
+            <a:schemeClr val="accent1"/>
+          </a:lnRef>
+          <a:fillRef idx="0">
+            <a:schemeClr val="accent1"/>
+          </a:fillRef>
+          <a:effectRef idx="1">
+            <a:schemeClr val="accent1"/>
+          </a:effectRef>
+          <a:fontRef idx="minor">
+            <a:schemeClr val="tx1"/>
+          </a:fontRef>
+        </p:style>
+      </p:cxnSp>
       <p:sp>
         <p:nvSpPr>
-          <p:cNvPr id="6" name="Right Arrow 5"/>
-          <p:cNvSpPr/>
+          <p:cNvPr id="62" name="TextBox 61"/>
+          <p:cNvSpPr txBox="1"/>
           <p:nvPr/>
         </p:nvSpPr>
         <p:spPr>
           <a:xfrm>
-            <a:off x="1231695" y="1694684"/>
-            <a:ext cx="802340" cy="515116"/>
-          </a:xfrm>
-          <a:prstGeom prst="rightArrow">
+            <a:off x="3164542" y="1524000"/>
+            <a:ext cx="340658" cy="461665"/>
+          </a:xfrm>
+          <a:prstGeom prst="rect">
             <a:avLst/>
           </a:prstGeom>
+          <a:noFill/>
+        </p:spPr>
+        <p:txBody>
+          <a:bodyPr wrap="none" rtlCol="0">
+            <a:spAutoFit/>
+          </a:bodyPr>
+          <a:lstStyle/>
+          <a:p>
+            <a:r>
+              <a:rPr lang="en-US" sz="2400" dirty="0" smtClean="0"/>
+              <a:t>4</a:t>
+            </a:r>
+            <a:endParaRPr lang="en-US" sz="2400" dirty="0"/>
+          </a:p>
+        </p:txBody>
+      </p:sp>
+      <p:cxnSp>
+        <p:nvCxnSpPr>
+          <p:cNvPr id="63" name="Straight Connector 62"/>
+          <p:cNvCxnSpPr/>
+          <p:nvPr/>
+        </p:nvCxnSpPr>
+        <p:spPr>
+          <a:xfrm flipH="1">
+            <a:off x="3352800" y="1752600"/>
+            <a:ext cx="152400" cy="457200"/>
+          </a:xfrm>
+          <a:prstGeom prst="line">
+            <a:avLst/>
+          </a:prstGeom>
+          <a:ln>
+            <a:solidFill>
+              <a:srgbClr val="000000"/>
+            </a:solidFill>
+          </a:ln>
         </p:spPr>
         <p:style>
-          <a:lnRef idx="3">
-            <a:schemeClr val="lt1"/>
+          <a:lnRef idx="2">
+            <a:schemeClr val="accent1"/>
           </a:lnRef>
-          <a:fillRef idx="1">
-            <a:schemeClr val="dk1"/>
+          <a:fillRef idx="0">
+            <a:schemeClr val="accent1"/>
           </a:fillRef>
           <a:effectRef idx="1">
-            <a:schemeClr val="dk1"/>
+            <a:schemeClr val="accent1"/>
           </a:effectRef>
           <a:fontRef idx="minor">
-            <a:schemeClr val="lt1"/>
+            <a:schemeClr val="tx1"/>
           </a:fontRef>
         </p:style>
+      </p:cxnSp>
+      <p:sp>
+        <p:nvSpPr>
+          <p:cNvPr id="64" name="TextBox 63"/>
+          <p:cNvSpPr txBox="1"/>
+          <p:nvPr/>
+        </p:nvSpPr>
+        <p:spPr>
+          <a:xfrm>
+            <a:off x="3352800" y="2209800"/>
+            <a:ext cx="340658" cy="461665"/>
+          </a:xfrm>
+          <a:prstGeom prst="rect">
+            <a:avLst/>
+          </a:prstGeom>
+          <a:noFill/>
+        </p:spPr>
         <p:txBody>
-          <a:bodyPr rtlCol="0" anchor="ctr"/>
+          <a:bodyPr wrap="none" rtlCol="0">
+            <a:spAutoFit/>
+          </a:bodyPr>
           <a:lstStyle/>
           <a:p>
-            <a:pPr algn="ctr"/>
+            <a:r>
+              <a:rPr lang="en-US" sz="2400" dirty="0" smtClean="0"/>
+              <a:t>4</a:t>
+            </a:r>
             <a:endParaRPr lang="en-US" sz="2400" dirty="0"/>
           </a:p>
         </p:txBody>
       </p:sp>
+      <p:cxnSp>
+        <p:nvCxnSpPr>
+          <p:cNvPr id="65" name="Straight Connector 64"/>
+          <p:cNvCxnSpPr/>
+          <p:nvPr/>
+        </p:nvCxnSpPr>
+        <p:spPr>
+          <a:xfrm flipH="1">
+            <a:off x="3541058" y="2438400"/>
+            <a:ext cx="152400" cy="457200"/>
+          </a:xfrm>
+          <a:prstGeom prst="line">
+            <a:avLst/>
+          </a:prstGeom>
+          <a:ln>
+            <a:solidFill>
+              <a:srgbClr val="000000"/>
+            </a:solidFill>
+          </a:ln>
+        </p:spPr>
+        <p:style>
+          <a:lnRef idx="2">
+            <a:schemeClr val="accent1"/>
+          </a:lnRef>
+          <a:fillRef idx="0">
+            <a:schemeClr val="accent1"/>
+          </a:fillRef>
+          <a:effectRef idx="1">
+            <a:schemeClr val="accent1"/>
+          </a:effectRef>
+          <a:fontRef idx="minor">
+            <a:schemeClr val="tx1"/>
+          </a:fontRef>
+        </p:style>
+      </p:cxnSp>
       <p:sp>
         <p:nvSpPr>
-          <p:cNvPr id="7" name="Left Arrow 6"/>
-          <p:cNvSpPr/>
+          <p:cNvPr id="66" name="TextBox 65"/>
+          <p:cNvSpPr txBox="1"/>
           <p:nvPr/>
         </p:nvSpPr>
         <p:spPr>
           <a:xfrm>
-            <a:off x="990600" y="1938882"/>
-            <a:ext cx="762000" cy="541836"/>
-          </a:xfrm>
-          <a:prstGeom prst="leftArrow">
+            <a:off x="1183342" y="1524000"/>
+            <a:ext cx="340658" cy="461665"/>
+          </a:xfrm>
+          <a:prstGeom prst="rect">
             <a:avLst/>
           </a:prstGeom>
+          <a:noFill/>
+        </p:spPr>
+        <p:txBody>
+          <a:bodyPr wrap="none" rtlCol="0">
+            <a:spAutoFit/>
+          </a:bodyPr>
+          <a:lstStyle/>
+          <a:p>
+            <a:r>
+              <a:rPr lang="en-US" sz="2400" dirty="0" smtClean="0"/>
+              <a:t>4</a:t>
+            </a:r>
+            <a:endParaRPr lang="en-US" sz="2400" dirty="0"/>
+          </a:p>
+        </p:txBody>
+      </p:sp>
+      <p:cxnSp>
+        <p:nvCxnSpPr>
+          <p:cNvPr id="67" name="Straight Connector 66"/>
+          <p:cNvCxnSpPr/>
+          <p:nvPr/>
+        </p:nvCxnSpPr>
+        <p:spPr>
+          <a:xfrm flipH="1">
+            <a:off x="1371600" y="1752600"/>
+            <a:ext cx="152400" cy="457200"/>
+          </a:xfrm>
+          <a:prstGeom prst="line">
+            <a:avLst/>
+          </a:prstGeom>
+          <a:ln>
+            <a:solidFill>
+              <a:srgbClr val="000000"/>
+            </a:solidFill>
+          </a:ln>
         </p:spPr>
         <p:style>
-          <a:lnRef idx="3">
-            <a:schemeClr val="lt1"/>
+          <a:lnRef idx="2">
+            <a:schemeClr val="accent1"/>
           </a:lnRef>
-          <a:fillRef idx="1">
-            <a:schemeClr val="dk1"/>
+          <a:fillRef idx="0">
+            <a:schemeClr val="accent1"/>
           </a:fillRef>
           <a:effectRef idx="1">
-            <a:schemeClr val="dk1"/>
+            <a:schemeClr val="accent1"/>
           </a:effectRef>
           <a:fontRef idx="minor">
-            <a:schemeClr val="lt1"/>
+            <a:schemeClr val="tx1"/>
           </a:fontRef>
         </p:style>
+      </p:cxnSp>
+      <p:sp>
+        <p:nvSpPr>
+          <p:cNvPr id="68" name="TextBox 67"/>
+          <p:cNvSpPr txBox="1"/>
+          <p:nvPr/>
+        </p:nvSpPr>
+        <p:spPr>
+          <a:xfrm>
+            <a:off x="1371600" y="2209800"/>
+            <a:ext cx="340658" cy="461665"/>
+          </a:xfrm>
+          <a:prstGeom prst="rect">
+            <a:avLst/>
+          </a:prstGeom>
+          <a:noFill/>
+        </p:spPr>
         <p:txBody>
-          <a:bodyPr rtlCol="0" anchor="ctr"/>
+          <a:bodyPr wrap="none" rtlCol="0">
+            <a:spAutoFit/>
+          </a:bodyPr>
           <a:lstStyle/>
           <a:p>
-            <a:pPr algn="ctr"/>
+            <a:r>
+              <a:rPr lang="en-US" sz="2400" dirty="0" smtClean="0"/>
+              <a:t>4</a:t>
+            </a:r>
             <a:endParaRPr lang="en-US" sz="2400" dirty="0"/>
           </a:p>
         </p:txBody>
       </p:sp>
+      <p:cxnSp>
+        <p:nvCxnSpPr>
+          <p:cNvPr id="69" name="Straight Connector 68"/>
+          <p:cNvCxnSpPr/>
+          <p:nvPr/>
+        </p:nvCxnSpPr>
+        <p:spPr>
+          <a:xfrm flipH="1">
+            <a:off x="1559858" y="2438400"/>
+            <a:ext cx="152400" cy="457200"/>
+          </a:xfrm>
+          <a:prstGeom prst="line">
+            <a:avLst/>
+          </a:prstGeom>
+          <a:ln>
+            <a:solidFill>
+              <a:srgbClr val="000000"/>
+            </a:solidFill>
+          </a:ln>
+        </p:spPr>
+        <p:style>
+          <a:lnRef idx="2">
+            <a:schemeClr val="accent1"/>
+          </a:lnRef>
+          <a:fillRef idx="0">
+            <a:schemeClr val="accent1"/>
+          </a:fillRef>
+          <a:effectRef idx="1">
+            <a:schemeClr val="accent1"/>
+          </a:effectRef>
+          <a:fontRef idx="minor">
+            <a:schemeClr val="tx1"/>
+          </a:fontRef>
+        </p:style>
+      </p:cxnSp>
       <p:sp>
         <p:nvSpPr>
-          <p:cNvPr id="8" name="Up Arrow 7"/>
-          <p:cNvSpPr/>
+          <p:cNvPr id="70" name="TextBox 69"/>
+          <p:cNvSpPr txBox="1"/>
           <p:nvPr/>
         </p:nvSpPr>
         <p:spPr>
           <a:xfrm>
-            <a:off x="3810000" y="3048000"/>
-            <a:ext cx="585344" cy="1219201"/>
-          </a:xfrm>
-          <a:prstGeom prst="upArrow">
+            <a:off x="5257800" y="1524000"/>
+            <a:ext cx="340658" cy="461665"/>
+          </a:xfrm>
+          <a:prstGeom prst="rect">
             <a:avLst/>
           </a:prstGeom>
+          <a:noFill/>
+        </p:spPr>
+        <p:txBody>
+          <a:bodyPr wrap="none" rtlCol="0">
+            <a:spAutoFit/>
+          </a:bodyPr>
+          <a:lstStyle/>
+          <a:p>
+            <a:r>
+              <a:rPr lang="en-US" sz="2400" dirty="0" smtClean="0"/>
+              <a:t>4</a:t>
+            </a:r>
+            <a:endParaRPr lang="en-US" sz="2400" dirty="0"/>
+          </a:p>
+        </p:txBody>
+      </p:sp>
+      <p:cxnSp>
+        <p:nvCxnSpPr>
+          <p:cNvPr id="71" name="Straight Connector 70"/>
+          <p:cNvCxnSpPr/>
+          <p:nvPr/>
+        </p:nvCxnSpPr>
+        <p:spPr>
+          <a:xfrm flipH="1">
+            <a:off x="5446058" y="1752600"/>
+            <a:ext cx="152400" cy="457200"/>
+          </a:xfrm>
+          <a:prstGeom prst="line">
+            <a:avLst/>
+          </a:prstGeom>
+          <a:ln>
+            <a:solidFill>
+              <a:srgbClr val="000000"/>
+            </a:solidFill>
+          </a:ln>
         </p:spPr>
         <p:style>
-          <a:lnRef idx="3">
-            <a:schemeClr val="lt1"/>
+          <a:lnRef idx="2">
+            <a:schemeClr val="accent1"/>
           </a:lnRef>
-          <a:fillRef idx="1">
-            <a:schemeClr val="dk1"/>
+          <a:fillRef idx="0">
+            <a:schemeClr val="accent1"/>
           </a:fillRef>
           <a:effectRef idx="1">
-            <a:schemeClr val="dk1"/>
+            <a:schemeClr val="accent1"/>
           </a:effectRef>
           <a:fontRef idx="minor">
-            <a:schemeClr val="lt1"/>
+            <a:schemeClr val="tx1"/>
           </a:fontRef>
         </p:style>
+      </p:cxnSp>
+      <p:sp>
+        <p:nvSpPr>
+          <p:cNvPr id="72" name="TextBox 71"/>
+          <p:cNvSpPr txBox="1"/>
+          <p:nvPr/>
+        </p:nvSpPr>
+        <p:spPr>
+          <a:xfrm>
+            <a:off x="5450542" y="2209800"/>
+            <a:ext cx="340658" cy="461665"/>
+          </a:xfrm>
+          <a:prstGeom prst="rect">
+            <a:avLst/>
+          </a:prstGeom>
+          <a:noFill/>
+        </p:spPr>
         <p:txBody>
-          <a:bodyPr rtlCol="0" anchor="ctr"/>
+          <a:bodyPr wrap="none" rtlCol="0">
+            <a:spAutoFit/>
+          </a:bodyPr>
           <a:lstStyle/>
           <a:p>
-            <a:pPr algn="ctr"/>
+            <a:r>
+              <a:rPr lang="en-US" sz="2400" dirty="0" smtClean="0"/>
+              <a:t>4</a:t>
+            </a:r>
             <a:endParaRPr lang="en-US" sz="2400" dirty="0"/>
           </a:p>
         </p:txBody>
       </p:sp>
+      <p:cxnSp>
+        <p:nvCxnSpPr>
+          <p:cNvPr id="73" name="Straight Connector 72"/>
+          <p:cNvCxnSpPr/>
+          <p:nvPr/>
+        </p:nvCxnSpPr>
+        <p:spPr>
+          <a:xfrm flipH="1">
+            <a:off x="5638800" y="2438400"/>
+            <a:ext cx="152400" cy="457200"/>
+          </a:xfrm>
+          <a:prstGeom prst="line">
+            <a:avLst/>
+          </a:prstGeom>
+          <a:ln>
+            <a:solidFill>
+              <a:srgbClr val="000000"/>
+            </a:solidFill>
+          </a:ln>
+        </p:spPr>
+        <p:style>
+          <a:lnRef idx="2">
+            <a:schemeClr val="accent1"/>
+          </a:lnRef>
+          <a:fillRef idx="0">
+            <a:schemeClr val="accent1"/>
+          </a:fillRef>
+          <a:effectRef idx="1">
+            <a:schemeClr val="accent1"/>
+          </a:effectRef>
+          <a:fontRef idx="minor">
+            <a:schemeClr val="tx1"/>
+          </a:fontRef>
+        </p:style>
+      </p:cxnSp>
       <p:sp>
         <p:nvSpPr>
-          <p:cNvPr id="9" name="Down Arrow 8"/>
-          <p:cNvSpPr/>
+          <p:cNvPr id="74" name="TextBox 73"/>
+          <p:cNvSpPr txBox="1"/>
           <p:nvPr/>
         </p:nvSpPr>
         <p:spPr>
           <a:xfrm>
-            <a:off x="4102672" y="3352800"/>
-            <a:ext cx="585344" cy="1219200"/>
-          </a:xfrm>
-          <a:prstGeom prst="downArrow">
+            <a:off x="7315200" y="1524000"/>
+            <a:ext cx="340658" cy="461665"/>
+          </a:xfrm>
+          <a:prstGeom prst="rect">
             <a:avLst/>
           </a:prstGeom>
+          <a:noFill/>
+        </p:spPr>
+        <p:txBody>
+          <a:bodyPr wrap="none" rtlCol="0">
+            <a:spAutoFit/>
+          </a:bodyPr>
+          <a:lstStyle/>
+          <a:p>
+            <a:r>
+              <a:rPr lang="en-US" sz="2400" dirty="0" smtClean="0"/>
+              <a:t>4</a:t>
+            </a:r>
+            <a:endParaRPr lang="en-US" sz="2400" dirty="0"/>
+          </a:p>
+        </p:txBody>
+      </p:sp>
+      <p:cxnSp>
+        <p:nvCxnSpPr>
+          <p:cNvPr id="76" name="Straight Connector 75"/>
+          <p:cNvCxnSpPr/>
+          <p:nvPr/>
+        </p:nvCxnSpPr>
+        <p:spPr>
+          <a:xfrm flipH="1">
+            <a:off x="7503458" y="1752600"/>
+            <a:ext cx="152400" cy="457200"/>
+          </a:xfrm>
+          <a:prstGeom prst="line">
+            <a:avLst/>
+          </a:prstGeom>
+          <a:ln>
+            <a:solidFill>
+              <a:srgbClr val="000000"/>
+            </a:solidFill>
+          </a:ln>
         </p:spPr>
         <p:style>
-          <a:lnRef idx="3">
-            <a:schemeClr val="lt1"/>
+          <a:lnRef idx="2">
+            <a:schemeClr val="accent1"/>
           </a:lnRef>
-          <a:fillRef idx="1">
-            <a:schemeClr val="dk1"/>
+          <a:fillRef idx="0">
+            <a:schemeClr val="accent1"/>
           </a:fillRef>
           <a:effectRef idx="1">
-            <a:schemeClr val="dk1"/>
+            <a:schemeClr val="accent1"/>
           </a:effectRef>
           <a:fontRef idx="minor">
-            <a:schemeClr val="lt1"/>
+            <a:schemeClr val="tx1"/>
           </a:fontRef>
         </p:style>
+      </p:cxnSp>
+      <p:sp>
+        <p:nvSpPr>
+          <p:cNvPr id="77" name="TextBox 76"/>
+          <p:cNvSpPr txBox="1"/>
+          <p:nvPr/>
+        </p:nvSpPr>
+        <p:spPr>
+          <a:xfrm>
+            <a:off x="7507942" y="2209800"/>
+            <a:ext cx="340658" cy="461665"/>
+          </a:xfrm>
+          <a:prstGeom prst="rect">
+            <a:avLst/>
+          </a:prstGeom>
+          <a:noFill/>
+        </p:spPr>
         <p:txBody>
-          <a:bodyPr rtlCol="0" anchor="ctr"/>
+          <a:bodyPr wrap="none" rtlCol="0">
+            <a:spAutoFit/>
+          </a:bodyPr>
           <a:lstStyle/>
           <a:p>
-            <a:pPr algn="ctr"/>
+            <a:r>
+              <a:rPr lang="en-US" sz="2400" dirty="0" smtClean="0"/>
+              <a:t>4</a:t>
+            </a:r>
             <a:endParaRPr lang="en-US" sz="2400" dirty="0"/>
           </a:p>
         </p:txBody>
       </p:sp>
+      <p:cxnSp>
+        <p:nvCxnSpPr>
+          <p:cNvPr id="78" name="Straight Connector 77"/>
+          <p:cNvCxnSpPr/>
+          <p:nvPr/>
+        </p:nvCxnSpPr>
+        <p:spPr>
+          <a:xfrm flipH="1">
+            <a:off x="7696200" y="2438400"/>
+            <a:ext cx="152400" cy="457200"/>
+          </a:xfrm>
+          <a:prstGeom prst="line">
+            <a:avLst/>
+          </a:prstGeom>
+          <a:ln>
+            <a:solidFill>
+              <a:srgbClr val="000000"/>
+            </a:solidFill>
+          </a:ln>
+        </p:spPr>
+        <p:style>
+          <a:lnRef idx="2">
+            <a:schemeClr val="accent1"/>
+          </a:lnRef>
+          <a:fillRef idx="0">
+            <a:schemeClr val="accent1"/>
+          </a:fillRef>
+          <a:effectRef idx="1">
+            <a:schemeClr val="accent1"/>
+          </a:effectRef>
+          <a:fontRef idx="minor">
+            <a:schemeClr val="tx1"/>
+          </a:fontRef>
+        </p:style>
+      </p:cxnSp>
       <p:sp>
         <p:nvSpPr>
-          <p:cNvPr id="164" name="Right Arrow 163"/>
-          <p:cNvSpPr/>
+          <p:cNvPr id="79" name="TextBox 78"/>
+          <p:cNvSpPr txBox="1"/>
           <p:nvPr/>
         </p:nvSpPr>
         <p:spPr>
           <a:xfrm>
-            <a:off x="3212895" y="1694684"/>
-            <a:ext cx="802340" cy="515116"/>
-          </a:xfrm>
-          <a:prstGeom prst="rightArrow">
+            <a:off x="3200400" y="4114800"/>
+            <a:ext cx="340658" cy="461665"/>
+          </a:xfrm>
+          <a:prstGeom prst="rect">
             <a:avLst/>
           </a:prstGeom>
+          <a:noFill/>
+        </p:spPr>
+        <p:txBody>
+          <a:bodyPr wrap="none" rtlCol="0">
+            <a:spAutoFit/>
+          </a:bodyPr>
+          <a:lstStyle/>
+          <a:p>
+            <a:r>
+              <a:rPr lang="en-US" sz="2400" dirty="0" smtClean="0"/>
+              <a:t>4</a:t>
+            </a:r>
+            <a:endParaRPr lang="en-US" sz="2400" dirty="0"/>
+          </a:p>
+        </p:txBody>
+      </p:sp>
+      <p:cxnSp>
+        <p:nvCxnSpPr>
+          <p:cNvPr id="80" name="Straight Connector 79"/>
+          <p:cNvCxnSpPr/>
+          <p:nvPr/>
+        </p:nvCxnSpPr>
+        <p:spPr>
+          <a:xfrm flipH="1">
+            <a:off x="3388658" y="4343400"/>
+            <a:ext cx="152400" cy="457200"/>
+          </a:xfrm>
+          <a:prstGeom prst="line">
+            <a:avLst/>
+          </a:prstGeom>
+          <a:ln>
+            <a:solidFill>
+              <a:srgbClr val="000000"/>
+            </a:solidFill>
+          </a:ln>
         </p:spPr>
         <p:style>
-          <a:lnRef idx="3">
-            <a:schemeClr val="lt1"/>
+          <a:lnRef idx="2">
+            <a:schemeClr val="accent1"/>
           </a:lnRef>
-          <a:fillRef idx="1">
-            <a:schemeClr val="dk1"/>
+          <a:fillRef idx="0">
+            <a:schemeClr val="accent1"/>
           </a:fillRef>
           <a:effectRef idx="1">
-            <a:schemeClr val="dk1"/>
+            <a:schemeClr val="accent1"/>
           </a:effectRef>
           <a:fontRef idx="minor">
-            <a:schemeClr val="lt1"/>
+            <a:schemeClr val="tx1"/>
           </a:fontRef>
         </p:style>
+      </p:cxnSp>
+      <p:sp>
+        <p:nvSpPr>
+          <p:cNvPr id="81" name="TextBox 80"/>
+          <p:cNvSpPr txBox="1"/>
+          <p:nvPr/>
+        </p:nvSpPr>
+        <p:spPr>
+          <a:xfrm>
+            <a:off x="3352800" y="4800600"/>
+            <a:ext cx="340658" cy="461665"/>
+          </a:xfrm>
+          <a:prstGeom prst="rect">
+            <a:avLst/>
+          </a:prstGeom>
+          <a:noFill/>
+        </p:spPr>
         <p:txBody>
-          <a:bodyPr rtlCol="0" anchor="ctr"/>
+          <a:bodyPr wrap="none" rtlCol="0">
+            <a:spAutoFit/>
+          </a:bodyPr>
           <a:lstStyle/>
           <a:p>
-            <a:pPr algn="ctr"/>
+            <a:r>
+              <a:rPr lang="en-US" sz="2400" dirty="0" smtClean="0"/>
+              <a:t>4</a:t>
+            </a:r>
             <a:endParaRPr lang="en-US" sz="2400" dirty="0"/>
           </a:p>
         </p:txBody>
       </p:sp>
+      <p:cxnSp>
+        <p:nvCxnSpPr>
+          <p:cNvPr id="82" name="Straight Connector 81"/>
+          <p:cNvCxnSpPr/>
+          <p:nvPr/>
+        </p:nvCxnSpPr>
+        <p:spPr>
+          <a:xfrm flipH="1">
+            <a:off x="3541058" y="5029200"/>
+            <a:ext cx="152400" cy="457200"/>
+          </a:xfrm>
+          <a:prstGeom prst="line">
+            <a:avLst/>
+          </a:prstGeom>
+          <a:ln>
+            <a:solidFill>
+              <a:srgbClr val="000000"/>
+            </a:solidFill>
+          </a:ln>
+        </p:spPr>
+        <p:style>
+          <a:lnRef idx="2">
+            <a:schemeClr val="accent1"/>
+          </a:lnRef>
+          <a:fillRef idx="0">
+            <a:schemeClr val="accent1"/>
+          </a:fillRef>
+          <a:effectRef idx="1">
+            <a:schemeClr val="accent1"/>
+          </a:effectRef>
+          <a:fontRef idx="minor">
+            <a:schemeClr val="tx1"/>
+          </a:fontRef>
+        </p:style>
+      </p:cxnSp>
       <p:sp>
         <p:nvSpPr>
-          <p:cNvPr id="165" name="Left Arrow 164"/>
-          <p:cNvSpPr/>
+          <p:cNvPr id="83" name="TextBox 82"/>
+          <p:cNvSpPr txBox="1"/>
           <p:nvPr/>
         </p:nvSpPr>
         <p:spPr>
           <a:xfrm>
-            <a:off x="2971800" y="1938882"/>
-            <a:ext cx="762000" cy="541836"/>
-          </a:xfrm>
-          <a:prstGeom prst="leftArrow">
+            <a:off x="5257800" y="4114800"/>
+            <a:ext cx="340658" cy="461665"/>
+          </a:xfrm>
+          <a:prstGeom prst="rect">
             <a:avLst/>
           </a:prstGeom>
+          <a:noFill/>
+        </p:spPr>
+        <p:txBody>
+          <a:bodyPr wrap="none" rtlCol="0">
+            <a:spAutoFit/>
+          </a:bodyPr>
+          <a:lstStyle/>
+          <a:p>
+            <a:r>
+              <a:rPr lang="en-US" sz="2400" dirty="0" smtClean="0"/>
+              <a:t>4</a:t>
+            </a:r>
+            <a:endParaRPr lang="en-US" sz="2400" dirty="0"/>
+          </a:p>
+        </p:txBody>
+      </p:sp>
+      <p:cxnSp>
+        <p:nvCxnSpPr>
+          <p:cNvPr id="84" name="Straight Connector 83"/>
+          <p:cNvCxnSpPr/>
+          <p:nvPr/>
+        </p:nvCxnSpPr>
+        <p:spPr>
+          <a:xfrm flipH="1">
+            <a:off x="5446058" y="4343400"/>
+            <a:ext cx="152400" cy="457200"/>
+          </a:xfrm>
+          <a:prstGeom prst="line">
+            <a:avLst/>
+          </a:prstGeom>
+          <a:ln>
+            <a:solidFill>
+              <a:srgbClr val="000000"/>
+            </a:solidFill>
+          </a:ln>
         </p:spPr>
         <p:style>
-          <a:lnRef idx="3">
-            <a:schemeClr val="lt1"/>
+          <a:lnRef idx="2">
+            <a:schemeClr val="accent1"/>
           </a:lnRef>
-          <a:fillRef idx="1">
-            <a:schemeClr val="dk1"/>
+          <a:fillRef idx="0">
+            <a:schemeClr val="accent1"/>
           </a:fillRef>
           <a:effectRef idx="1">
-            <a:schemeClr val="dk1"/>
+            <a:schemeClr val="accent1"/>
           </a:effectRef>
           <a:fontRef idx="minor">
-            <a:schemeClr val="lt1"/>
+            <a:schemeClr val="tx1"/>
           </a:fontRef>
         </p:style>
+      </p:cxnSp>
+      <p:sp>
+        <p:nvSpPr>
+          <p:cNvPr id="85" name="TextBox 84"/>
+          <p:cNvSpPr txBox="1"/>
+          <p:nvPr/>
+        </p:nvSpPr>
+        <p:spPr>
+          <a:xfrm>
+            <a:off x="5450542" y="4800600"/>
+            <a:ext cx="340658" cy="461665"/>
+          </a:xfrm>
+          <a:prstGeom prst="rect">
+            <a:avLst/>
+          </a:prstGeom>
+          <a:noFill/>
+        </p:spPr>
         <p:txBody>
-          <a:bodyPr rtlCol="0" anchor="ctr"/>
+          <a:bodyPr wrap="none" rtlCol="0">
+            <a:spAutoFit/>
+          </a:bodyPr>
           <a:lstStyle/>
           <a:p>
-            <a:pPr algn="ctr"/>
+            <a:r>
+              <a:rPr lang="en-US" sz="2400" dirty="0" smtClean="0"/>
+              <a:t>4</a:t>
+            </a:r>
             <a:endParaRPr lang="en-US" sz="2400" dirty="0"/>
           </a:p>
         </p:txBody>
       </p:sp>
+      <p:cxnSp>
+        <p:nvCxnSpPr>
+          <p:cNvPr id="86" name="Straight Connector 85"/>
+          <p:cNvCxnSpPr/>
+          <p:nvPr/>
+        </p:nvCxnSpPr>
+        <p:spPr>
+          <a:xfrm flipH="1">
+            <a:off x="5638800" y="5029200"/>
+            <a:ext cx="152400" cy="457200"/>
+          </a:xfrm>
+          <a:prstGeom prst="line">
+            <a:avLst/>
+          </a:prstGeom>
+          <a:ln>
+            <a:solidFill>
+              <a:srgbClr val="000000"/>
+            </a:solidFill>
+          </a:ln>
+        </p:spPr>
+        <p:style>
+          <a:lnRef idx="2">
+            <a:schemeClr val="accent1"/>
+          </a:lnRef>
+          <a:fillRef idx="0">
+            <a:schemeClr val="accent1"/>
+          </a:fillRef>
+          <a:effectRef idx="1">
+            <a:schemeClr val="accent1"/>
+          </a:effectRef>
+          <a:fontRef idx="minor">
+            <a:schemeClr val="tx1"/>
+          </a:fontRef>
+        </p:style>
+      </p:cxnSp>
       <p:sp>
         <p:nvSpPr>
-          <p:cNvPr id="174" name="Right Arrow 173"/>
-          <p:cNvSpPr/>
+          <p:cNvPr id="87" name="TextBox 86"/>
+          <p:cNvSpPr txBox="1"/>
           <p:nvPr/>
         </p:nvSpPr>
         <p:spPr>
           <a:xfrm>
-            <a:off x="5346495" y="1694684"/>
-            <a:ext cx="802340" cy="515116"/>
-          </a:xfrm>
-          <a:prstGeom prst="rightArrow">
+            <a:off x="7315200" y="4114800"/>
+            <a:ext cx="340658" cy="461665"/>
+          </a:xfrm>
+          <a:prstGeom prst="rect">
             <a:avLst/>
           </a:prstGeom>
+          <a:noFill/>
+        </p:spPr>
+        <p:txBody>
+          <a:bodyPr wrap="none" rtlCol="0">
+            <a:spAutoFit/>
+          </a:bodyPr>
+          <a:lstStyle/>
+          <a:p>
+            <a:r>
+              <a:rPr lang="en-US" sz="2400" dirty="0" smtClean="0"/>
+              <a:t>4</a:t>
+            </a:r>
+            <a:endParaRPr lang="en-US" sz="2400" dirty="0"/>
+          </a:p>
+        </p:txBody>
+      </p:sp>
+      <p:cxnSp>
+        <p:nvCxnSpPr>
+          <p:cNvPr id="88" name="Straight Connector 87"/>
+          <p:cNvCxnSpPr/>
+          <p:nvPr/>
+        </p:nvCxnSpPr>
+        <p:spPr>
+          <a:xfrm flipH="1">
+            <a:off x="7503458" y="4343400"/>
+            <a:ext cx="152400" cy="457200"/>
+          </a:xfrm>
+          <a:prstGeom prst="line">
+            <a:avLst/>
+          </a:prstGeom>
+          <a:ln>
+            <a:solidFill>
+              <a:srgbClr val="000000"/>
+            </a:solidFill>
+          </a:ln>
         </p:spPr>
         <p:style>
-          <a:lnRef idx="3">
-            <a:schemeClr val="lt1"/>
+          <a:lnRef idx="2">
+            <a:schemeClr val="accent1"/>
           </a:lnRef>
-          <a:fillRef idx="1">
-            <a:schemeClr val="dk1"/>
+          <a:fillRef idx="0">
+            <a:schemeClr val="accent1"/>
           </a:fillRef>
           <a:effectRef idx="1">
-            <a:schemeClr val="dk1"/>
+            <a:schemeClr val="accent1"/>
           </a:effectRef>
           <a:fontRef idx="minor">
-            <a:schemeClr val="lt1"/>
+            <a:schemeClr val="tx1"/>
           </a:fontRef>
         </p:style>
+      </p:cxnSp>
+      <p:sp>
+        <p:nvSpPr>
+          <p:cNvPr id="89" name="TextBox 88"/>
+          <p:cNvSpPr txBox="1"/>
+          <p:nvPr/>
+        </p:nvSpPr>
+        <p:spPr>
+          <a:xfrm>
+            <a:off x="7507942" y="4800600"/>
+            <a:ext cx="340658" cy="461665"/>
+          </a:xfrm>
+          <a:prstGeom prst="rect">
+            <a:avLst/>
+          </a:prstGeom>
+          <a:noFill/>
+        </p:spPr>
         <p:txBody>
-          <a:bodyPr rtlCol="0" anchor="ctr"/>
+          <a:bodyPr wrap="none" rtlCol="0">
+            <a:spAutoFit/>
+          </a:bodyPr>
           <a:lstStyle/>
           <a:p>
-            <a:pPr algn="ctr"/>
+            <a:r>
+              <a:rPr lang="en-US" sz="2400" dirty="0" smtClean="0"/>
+              <a:t>4</a:t>
+            </a:r>
             <a:endParaRPr lang="en-US" sz="2400" dirty="0"/>
           </a:p>
         </p:txBody>
       </p:sp>
+      <p:cxnSp>
+        <p:nvCxnSpPr>
+          <p:cNvPr id="90" name="Straight Connector 89"/>
+          <p:cNvCxnSpPr/>
+          <p:nvPr/>
+        </p:nvCxnSpPr>
+        <p:spPr>
+          <a:xfrm flipH="1">
+            <a:off x="7696200" y="5029200"/>
+            <a:ext cx="152400" cy="457200"/>
+          </a:xfrm>
+          <a:prstGeom prst="line">
+            <a:avLst/>
+          </a:prstGeom>
+          <a:ln>
+            <a:solidFill>
+              <a:srgbClr val="000000"/>
+            </a:solidFill>
+          </a:ln>
+        </p:spPr>
+        <p:style>
+          <a:lnRef idx="2">
+            <a:schemeClr val="accent1"/>
+          </a:lnRef>
+          <a:fillRef idx="0">
+            <a:schemeClr val="accent1"/>
+          </a:fillRef>
+          <a:effectRef idx="1">
+            <a:schemeClr val="accent1"/>
+          </a:effectRef>
+          <a:fontRef idx="minor">
+            <a:schemeClr val="tx1"/>
+          </a:fontRef>
+        </p:style>
+      </p:cxnSp>
       <p:sp>
         <p:nvSpPr>
-          <p:cNvPr id="175" name="Left Arrow 174"/>
-          <p:cNvSpPr/>
+          <p:cNvPr id="91" name="TextBox 90"/>
+          <p:cNvSpPr txBox="1"/>
           <p:nvPr/>
         </p:nvSpPr>
         <p:spPr>
           <a:xfrm>
-            <a:off x="5105400" y="1938882"/>
-            <a:ext cx="762000" cy="541836"/>
-          </a:xfrm>
-          <a:prstGeom prst="leftArrow">
+            <a:off x="3850342" y="3500735"/>
+            <a:ext cx="340658" cy="461665"/>
+          </a:xfrm>
+          <a:prstGeom prst="rect">
             <a:avLst/>
           </a:prstGeom>
+          <a:noFill/>
+        </p:spPr>
+        <p:txBody>
+          <a:bodyPr wrap="none" rtlCol="0">
+            <a:spAutoFit/>
+          </a:bodyPr>
+          <a:lstStyle/>
+          <a:p>
+            <a:r>
+              <a:rPr lang="en-US" sz="2400" dirty="0" smtClean="0"/>
+              <a:t>4</a:t>
+            </a:r>
+            <a:endParaRPr lang="en-US" sz="2400" dirty="0"/>
+          </a:p>
+        </p:txBody>
+      </p:sp>
+      <p:cxnSp>
+        <p:nvCxnSpPr>
+          <p:cNvPr id="92" name="Straight Connector 91"/>
+          <p:cNvCxnSpPr/>
+          <p:nvPr/>
+        </p:nvCxnSpPr>
+        <p:spPr>
+          <a:xfrm flipH="1">
+            <a:off x="3962400" y="3738265"/>
+            <a:ext cx="457200" cy="224135"/>
+          </a:xfrm>
+          <a:prstGeom prst="line">
+            <a:avLst/>
+          </a:prstGeom>
+          <a:ln>
+            <a:solidFill>
+              <a:srgbClr val="000000"/>
+            </a:solidFill>
+          </a:ln>
         </p:spPr>
         <p:style>
-          <a:lnRef idx="3">
-            <a:schemeClr val="lt1"/>
+          <a:lnRef idx="2">
+            <a:schemeClr val="accent1"/>
           </a:lnRef>
-          <a:fillRef idx="1">
-            <a:schemeClr val="dk1"/>
+          <a:fillRef idx="0">
+            <a:schemeClr val="accent1"/>
           </a:fillRef>
           <a:effectRef idx="1">
-            <a:schemeClr val="dk1"/>
+            <a:schemeClr val="accent1"/>
           </a:effectRef>
           <a:fontRef idx="minor">
-            <a:schemeClr val="lt1"/>
+            <a:schemeClr val="tx1"/>
           </a:fontRef>
         </p:style>
+      </p:cxnSp>
+      <p:sp>
+        <p:nvSpPr>
+          <p:cNvPr id="95" name="TextBox 94"/>
+          <p:cNvSpPr txBox="1"/>
+          <p:nvPr/>
+        </p:nvSpPr>
+        <p:spPr>
+          <a:xfrm>
+            <a:off x="4495800" y="3653135"/>
+            <a:ext cx="340658" cy="461665"/>
+          </a:xfrm>
+          <a:prstGeom prst="rect">
+            <a:avLst/>
+          </a:prstGeom>
+          <a:noFill/>
+        </p:spPr>
         <p:txBody>
-          <a:bodyPr rtlCol="0" anchor="ctr"/>
+          <a:bodyPr wrap="none" rtlCol="0">
+            <a:spAutoFit/>
+          </a:bodyPr>
           <a:lstStyle/>
           <a:p>
-            <a:pPr algn="ctr"/>
+            <a:r>
+              <a:rPr lang="en-US" sz="2400" dirty="0" smtClean="0"/>
+              <a:t>4</a:t>
+            </a:r>
             <a:endParaRPr lang="en-US" sz="2400" dirty="0"/>
           </a:p>
         </p:txBody>
       </p:sp>
+      <p:cxnSp>
+        <p:nvCxnSpPr>
+          <p:cNvPr id="96" name="Straight Connector 95"/>
+          <p:cNvCxnSpPr/>
+          <p:nvPr/>
+        </p:nvCxnSpPr>
+        <p:spPr>
+          <a:xfrm flipH="1">
+            <a:off x="4607858" y="3890665"/>
+            <a:ext cx="457200" cy="224135"/>
+          </a:xfrm>
+          <a:prstGeom prst="line">
+            <a:avLst/>
+          </a:prstGeom>
+          <a:ln>
+            <a:solidFill>
+              <a:srgbClr val="000000"/>
+            </a:solidFill>
+          </a:ln>
+        </p:spPr>
+        <p:style>
+          <a:lnRef idx="2">
+            <a:schemeClr val="accent1"/>
+          </a:lnRef>
+          <a:fillRef idx="0">
+            <a:schemeClr val="accent1"/>
+          </a:fillRef>
+          <a:effectRef idx="1">
+            <a:schemeClr val="accent1"/>
+          </a:effectRef>
+          <a:fontRef idx="minor">
+            <a:schemeClr val="tx1"/>
+          </a:fontRef>
+        </p:style>
+      </p:cxnSp>
       <p:sp>
         <p:nvSpPr>
-          <p:cNvPr id="176" name="Right Arrow 175"/>
-          <p:cNvSpPr/>
+          <p:cNvPr id="97" name="TextBox 96"/>
+          <p:cNvSpPr txBox="1"/>
           <p:nvPr/>
         </p:nvSpPr>
         <p:spPr>
           <a:xfrm>
-            <a:off x="7391400" y="1702369"/>
-            <a:ext cx="802340" cy="515116"/>
-          </a:xfrm>
-          <a:prstGeom prst="rightArrow">
+            <a:off x="6553200" y="3653135"/>
+            <a:ext cx="340658" cy="461665"/>
+          </a:xfrm>
+          <a:prstGeom prst="rect">
             <a:avLst/>
           </a:prstGeom>
+          <a:noFill/>
+        </p:spPr>
+        <p:txBody>
+          <a:bodyPr wrap="none" rtlCol="0">
+            <a:spAutoFit/>
+          </a:bodyPr>
+          <a:lstStyle/>
+          <a:p>
+            <a:r>
+              <a:rPr lang="en-US" sz="2400" dirty="0" smtClean="0"/>
+              <a:t>4</a:t>
+            </a:r>
+            <a:endParaRPr lang="en-US" sz="2400" dirty="0"/>
+          </a:p>
+        </p:txBody>
+      </p:sp>
+      <p:cxnSp>
+        <p:nvCxnSpPr>
+          <p:cNvPr id="98" name="Straight Connector 97"/>
+          <p:cNvCxnSpPr/>
+          <p:nvPr/>
+        </p:nvCxnSpPr>
+        <p:spPr>
+          <a:xfrm flipH="1">
+            <a:off x="6665258" y="3890665"/>
+            <a:ext cx="457200" cy="224135"/>
+          </a:xfrm>
+          <a:prstGeom prst="line">
+            <a:avLst/>
+          </a:prstGeom>
+          <a:ln>
+            <a:solidFill>
+              <a:srgbClr val="000000"/>
+            </a:solidFill>
+          </a:ln>
         </p:spPr>
         <p:style>
-          <a:lnRef idx="3">
-            <a:schemeClr val="lt1"/>
+          <a:lnRef idx="2">
+            <a:schemeClr val="accent1"/>
           </a:lnRef>
-          <a:fillRef idx="1">
-            <a:schemeClr val="dk1"/>
+          <a:fillRef idx="0">
+            <a:schemeClr val="accent1"/>
           </a:fillRef>
           <a:effectRef idx="1">
-            <a:schemeClr val="dk1"/>
+            <a:schemeClr val="accent1"/>
           </a:effectRef>
           <a:fontRef idx="minor">
-            <a:schemeClr val="lt1"/>
+            <a:schemeClr val="tx1"/>
           </a:fontRef>
         </p:style>
+      </p:cxnSp>
+      <p:sp>
+        <p:nvSpPr>
+          <p:cNvPr id="99" name="TextBox 98"/>
+          <p:cNvSpPr txBox="1"/>
+          <p:nvPr/>
+        </p:nvSpPr>
+        <p:spPr>
+          <a:xfrm>
+            <a:off x="5907742" y="3505200"/>
+            <a:ext cx="340658" cy="461665"/>
+          </a:xfrm>
+          <a:prstGeom prst="rect">
+            <a:avLst/>
+          </a:prstGeom>
+          <a:noFill/>
+        </p:spPr>
         <p:txBody>
-          <a:bodyPr rtlCol="0" anchor="ctr"/>
+          <a:bodyPr wrap="none" rtlCol="0">
+            <a:spAutoFit/>
+          </a:bodyPr>
           <a:lstStyle/>
           <a:p>
-            <a:pPr algn="ctr"/>
+            <a:r>
+              <a:rPr lang="en-US" sz="2400" dirty="0" smtClean="0"/>
+              <a:t>4</a:t>
+            </a:r>
             <a:endParaRPr lang="en-US" sz="2400" dirty="0"/>
           </a:p>
         </p:txBody>
       </p:sp>
+      <p:cxnSp>
+        <p:nvCxnSpPr>
+          <p:cNvPr id="100" name="Straight Connector 99"/>
+          <p:cNvCxnSpPr/>
+          <p:nvPr/>
+        </p:nvCxnSpPr>
+        <p:spPr>
+          <a:xfrm flipH="1">
+            <a:off x="6019800" y="3742730"/>
+            <a:ext cx="457200" cy="224135"/>
+          </a:xfrm>
+          <a:prstGeom prst="line">
+            <a:avLst/>
+          </a:prstGeom>
+          <a:ln>
+            <a:solidFill>
+              <a:srgbClr val="000000"/>
+            </a:solidFill>
+          </a:ln>
+        </p:spPr>
+        <p:style>
+          <a:lnRef idx="2">
+            <a:schemeClr val="accent1"/>
+          </a:lnRef>
+          <a:fillRef idx="0">
+            <a:schemeClr val="accent1"/>
+          </a:fillRef>
+          <a:effectRef idx="1">
+            <a:schemeClr val="accent1"/>
+          </a:effectRef>
+          <a:fontRef idx="minor">
+            <a:schemeClr val="tx1"/>
+          </a:fontRef>
+        </p:style>
+      </p:cxnSp>
       <p:sp>
         <p:nvSpPr>
-          <p:cNvPr id="177" name="Left Arrow 176"/>
-          <p:cNvSpPr/>
+          <p:cNvPr id="36" name="TextBox 35"/>
+          <p:cNvSpPr txBox="1"/>
           <p:nvPr/>
         </p:nvSpPr>
         <p:spPr>
           <a:xfrm>
-            <a:off x="7150305" y="1946567"/>
-            <a:ext cx="762000" cy="541836"/>
-          </a:xfrm>
-          <a:prstGeom prst="leftArrow">
+            <a:off x="2999648" y="1434281"/>
+            <a:ext cx="184666" cy="369332"/>
+          </a:xfrm>
+          <a:prstGeom prst="rect">
             <a:avLst/>
           </a:prstGeom>
-        </p:spPr>
-        <p:style>
-          <a:lnRef idx="3">
-            <a:schemeClr val="lt1"/>
-          </a:lnRef>
-          <a:fillRef idx="1">
-            <a:schemeClr val="dk1"/>
-          </a:fillRef>
-          <a:effectRef idx="1">
-            <a:schemeClr val="dk1"/>
-          </a:effectRef>
-          <a:fontRef idx="minor">
-            <a:schemeClr val="lt1"/>
-          </a:fontRef>
-        </p:style>
+          <a:noFill/>
+        </p:spPr>
         <p:txBody>
-          <a:bodyPr rtlCol="0" anchor="ctr"/>
+          <a:bodyPr wrap="none" rtlCol="0">
+            <a:spAutoFit/>
+          </a:bodyPr>
           <a:lstStyle/>
           <a:p>
-            <a:pPr algn="ctr"/>
-            <a:endParaRPr lang="en-US" sz="2400" dirty="0"/>
-          </a:p>
-        </p:txBody>
-      </p:sp>
-      <p:sp>
-        <p:nvSpPr>
-          <p:cNvPr id="178" name="Right Arrow 177"/>
-          <p:cNvSpPr/>
-          <p:nvPr/>
-        </p:nvSpPr>
-        <p:spPr>
-          <a:xfrm>
-            <a:off x="3205220" y="4201795"/>
-            <a:ext cx="802340" cy="515116"/>
-          </a:xfrm>
-          <a:prstGeom prst="rightArrow">
-            <a:avLst/>
-          </a:prstGeom>
-        </p:spPr>
-        <p:style>
-          <a:lnRef idx="3">
-            <a:schemeClr val="lt1"/>
-          </a:lnRef>
-          <a:fillRef idx="1">
-            <a:schemeClr val="dk1"/>
-          </a:fillRef>
-          <a:effectRef idx="1">
-            <a:schemeClr val="dk1"/>
-          </a:effectRef>
-          <a:fontRef idx="minor">
-            <a:schemeClr val="lt1"/>
-          </a:fontRef>
-        </p:style>
-        <p:txBody>
-          <a:bodyPr rtlCol="0" anchor="ctr"/>
-          <a:lstStyle/>
-          <a:p>
-            <a:pPr algn="ctr"/>
-            <a:endParaRPr lang="en-US" sz="2400" dirty="0"/>
-          </a:p>
-        </p:txBody>
-      </p:sp>
-      <p:sp>
-        <p:nvSpPr>
-          <p:cNvPr id="179" name="Left Arrow 178"/>
-          <p:cNvSpPr/>
-          <p:nvPr/>
-        </p:nvSpPr>
-        <p:spPr>
-          <a:xfrm>
-            <a:off x="2964125" y="4445993"/>
-            <a:ext cx="762000" cy="541836"/>
-          </a:xfrm>
-          <a:prstGeom prst="leftArrow">
-            <a:avLst/>
-          </a:prstGeom>
-        </p:spPr>
-        <p:style>
-          <a:lnRef idx="3">
-            <a:schemeClr val="lt1"/>
-          </a:lnRef>
-          <a:fillRef idx="1">
-            <a:schemeClr val="dk1"/>
-          </a:fillRef>
-          <a:effectRef idx="1">
-            <a:schemeClr val="dk1"/>
-          </a:effectRef>
-          <a:fontRef idx="minor">
-            <a:schemeClr val="lt1"/>
-          </a:fontRef>
-        </p:style>
-        <p:txBody>
-          <a:bodyPr rtlCol="0" anchor="ctr"/>
-          <a:lstStyle/>
-          <a:p>
-            <a:pPr algn="ctr"/>
-            <a:endParaRPr lang="en-US" sz="2400" dirty="0"/>
-          </a:p>
-        </p:txBody>
-      </p:sp>
-      <p:sp>
-        <p:nvSpPr>
-          <p:cNvPr id="180" name="Right Arrow 179"/>
-          <p:cNvSpPr/>
-          <p:nvPr/>
-        </p:nvSpPr>
-        <p:spPr>
-          <a:xfrm>
-            <a:off x="5312154" y="4193080"/>
-            <a:ext cx="802340" cy="515116"/>
-          </a:xfrm>
-          <a:prstGeom prst="rightArrow">
-            <a:avLst/>
-          </a:prstGeom>
-        </p:spPr>
-        <p:style>
-          <a:lnRef idx="3">
-            <a:schemeClr val="lt1"/>
-          </a:lnRef>
-          <a:fillRef idx="1">
-            <a:schemeClr val="dk1"/>
-          </a:fillRef>
-          <a:effectRef idx="1">
-            <a:schemeClr val="dk1"/>
-          </a:effectRef>
-          <a:fontRef idx="minor">
-            <a:schemeClr val="lt1"/>
-          </a:fontRef>
-        </p:style>
-        <p:txBody>
-          <a:bodyPr rtlCol="0" anchor="ctr"/>
-          <a:lstStyle/>
-          <a:p>
-            <a:pPr algn="ctr"/>
-            <a:endParaRPr lang="en-US" sz="2400" dirty="0"/>
-          </a:p>
-        </p:txBody>
-      </p:sp>
-      <p:sp>
-        <p:nvSpPr>
-          <p:cNvPr id="181" name="Left Arrow 180"/>
-          <p:cNvSpPr/>
-          <p:nvPr/>
-        </p:nvSpPr>
-        <p:spPr>
-          <a:xfrm>
-            <a:off x="5071059" y="4437278"/>
-            <a:ext cx="762000" cy="541836"/>
-          </a:xfrm>
-          <a:prstGeom prst="leftArrow">
-            <a:avLst/>
-          </a:prstGeom>
-        </p:spPr>
-        <p:style>
-          <a:lnRef idx="3">
-            <a:schemeClr val="lt1"/>
-          </a:lnRef>
-          <a:fillRef idx="1">
-            <a:schemeClr val="dk1"/>
-          </a:fillRef>
-          <a:effectRef idx="1">
-            <a:schemeClr val="dk1"/>
-          </a:effectRef>
-          <a:fontRef idx="minor">
-            <a:schemeClr val="lt1"/>
-          </a:fontRef>
-        </p:style>
-        <p:txBody>
-          <a:bodyPr rtlCol="0" anchor="ctr"/>
-          <a:lstStyle/>
-          <a:p>
-            <a:pPr algn="ctr"/>
-            <a:endParaRPr lang="en-US" sz="2400" dirty="0"/>
-          </a:p>
-        </p:txBody>
-      </p:sp>
-      <p:sp>
-        <p:nvSpPr>
-          <p:cNvPr id="182" name="Right Arrow 181"/>
-          <p:cNvSpPr/>
-          <p:nvPr/>
-        </p:nvSpPr>
-        <p:spPr>
-          <a:xfrm>
-            <a:off x="7391400" y="4172245"/>
-            <a:ext cx="802340" cy="515116"/>
-          </a:xfrm>
-          <a:prstGeom prst="rightArrow">
-            <a:avLst/>
-          </a:prstGeom>
-        </p:spPr>
-        <p:style>
-          <a:lnRef idx="3">
-            <a:schemeClr val="lt1"/>
-          </a:lnRef>
-          <a:fillRef idx="1">
-            <a:schemeClr val="dk1"/>
-          </a:fillRef>
-          <a:effectRef idx="1">
-            <a:schemeClr val="dk1"/>
-          </a:effectRef>
-          <a:fontRef idx="minor">
-            <a:schemeClr val="lt1"/>
-          </a:fontRef>
-        </p:style>
-        <p:txBody>
-          <a:bodyPr rtlCol="0" anchor="ctr"/>
-          <a:lstStyle/>
-          <a:p>
-            <a:pPr algn="ctr"/>
-            <a:endParaRPr lang="en-US" sz="2400" dirty="0"/>
-          </a:p>
-        </p:txBody>
-      </p:sp>
-      <p:sp>
-        <p:nvSpPr>
-          <p:cNvPr id="183" name="Left Arrow 182"/>
-          <p:cNvSpPr/>
-          <p:nvPr/>
-        </p:nvSpPr>
-        <p:spPr>
-          <a:xfrm>
-            <a:off x="7150305" y="4416443"/>
-            <a:ext cx="762000" cy="541836"/>
-          </a:xfrm>
-          <a:prstGeom prst="leftArrow">
-            <a:avLst/>
-          </a:prstGeom>
-        </p:spPr>
-        <p:style>
-          <a:lnRef idx="3">
-            <a:schemeClr val="lt1"/>
-          </a:lnRef>
-          <a:fillRef idx="1">
-            <a:schemeClr val="dk1"/>
-          </a:fillRef>
-          <a:effectRef idx="1">
-            <a:schemeClr val="dk1"/>
-          </a:effectRef>
-          <a:fontRef idx="minor">
-            <a:schemeClr val="lt1"/>
-          </a:fontRef>
-        </p:style>
-        <p:txBody>
-          <a:bodyPr rtlCol="0" anchor="ctr"/>
-          <a:lstStyle/>
-          <a:p>
-            <a:pPr algn="ctr"/>
-            <a:endParaRPr lang="en-US" sz="2400" dirty="0"/>
-          </a:p>
-        </p:txBody>
-      </p:sp>
-      <p:sp>
-        <p:nvSpPr>
-          <p:cNvPr id="184" name="Up Arrow 183"/>
-          <p:cNvSpPr/>
-          <p:nvPr/>
-        </p:nvSpPr>
-        <p:spPr>
-          <a:xfrm>
-            <a:off x="5821822" y="3048000"/>
-            <a:ext cx="585344" cy="1219201"/>
-          </a:xfrm>
-          <a:prstGeom prst="upArrow">
-            <a:avLst/>
-          </a:prstGeom>
-        </p:spPr>
-        <p:style>
-          <a:lnRef idx="3">
-            <a:schemeClr val="lt1"/>
-          </a:lnRef>
-          <a:fillRef idx="1">
-            <a:schemeClr val="dk1"/>
-          </a:fillRef>
-          <a:effectRef idx="1">
-            <a:schemeClr val="dk1"/>
-          </a:effectRef>
-          <a:fontRef idx="minor">
-            <a:schemeClr val="lt1"/>
-          </a:fontRef>
-        </p:style>
-        <p:txBody>
-          <a:bodyPr rtlCol="0" anchor="ctr"/>
-          <a:lstStyle/>
-          <a:p>
-            <a:pPr algn="ctr"/>
-            <a:endParaRPr lang="en-US" sz="2400" dirty="0"/>
-          </a:p>
-        </p:txBody>
-      </p:sp>
-      <p:sp>
-        <p:nvSpPr>
-          <p:cNvPr id="185" name="Down Arrow 184"/>
-          <p:cNvSpPr/>
-          <p:nvPr/>
-        </p:nvSpPr>
-        <p:spPr>
-          <a:xfrm>
-            <a:off x="6114494" y="3352800"/>
-            <a:ext cx="585344" cy="1219200"/>
-          </a:xfrm>
-          <a:prstGeom prst="downArrow">
-            <a:avLst/>
-          </a:prstGeom>
-        </p:spPr>
-        <p:style>
-          <a:lnRef idx="3">
-            <a:schemeClr val="lt1"/>
-          </a:lnRef>
-          <a:fillRef idx="1">
-            <a:schemeClr val="dk1"/>
-          </a:fillRef>
-          <a:effectRef idx="1">
-            <a:schemeClr val="dk1"/>
-          </a:effectRef>
-          <a:fontRef idx="minor">
-            <a:schemeClr val="lt1"/>
-          </a:fontRef>
-        </p:style>
-        <p:txBody>
-          <a:bodyPr rtlCol="0" anchor="ctr"/>
-          <a:lstStyle/>
-          <a:p>
-            <a:pPr algn="ctr"/>
-            <a:endParaRPr lang="en-US" sz="2400" dirty="0"/>
+            <a:endParaRPr lang="en-US" dirty="0"/>
           </a:p>
         </p:txBody>
       </p:sp>
@@ -13068,7 +14231,7 @@
   <p:timing>
     <p:tnLst>
       <p:par>
-        <p:cTn id="1" dur="indefinite" restart="never" nodeType="tmRoot"/>
+        <p:cTn xmlns:p14="http://schemas.microsoft.com/office/powerpoint/2010/main" id="1" dur="indefinite" restart="never" nodeType="tmRoot"/>
       </p:par>
     </p:tnLst>
   </p:timing>
@@ -13314,7 +14477,7 @@
   <p:timing>
     <p:tnLst>
       <p:par>
-        <p:cTn id="1" dur="indefinite" restart="never" nodeType="tmRoot"/>
+        <p:cTn xmlns:p14="http://schemas.microsoft.com/office/powerpoint/2010/main" id="1" dur="indefinite" restart="never" nodeType="tmRoot"/>
       </p:par>
     </p:tnLst>
   </p:timing>
@@ -13855,7 +15018,7 @@
   <p:timing>
     <p:tnLst>
       <p:par>
-        <p:cTn id="1" dur="indefinite" restart="never" nodeType="tmRoot"/>
+        <p:cTn xmlns:p14="http://schemas.microsoft.com/office/powerpoint/2010/main" id="1" dur="indefinite" restart="never" nodeType="tmRoot"/>
       </p:par>
     </p:tnLst>
   </p:timing>
@@ -13926,6 +15089,85 @@
           </a:graphicData>
         </a:graphic>
       </p:graphicFrame>
+      <p:sp>
+        <p:nvSpPr>
+          <p:cNvPr id="4" name="Rectangle 3"/>
+          <p:cNvSpPr/>
+          <p:nvPr/>
+        </p:nvSpPr>
+        <p:spPr>
+          <a:xfrm>
+            <a:off x="5715000" y="1066800"/>
+            <a:ext cx="2970913" cy="461665"/>
+          </a:xfrm>
+          <a:prstGeom prst="rect">
+            <a:avLst/>
+          </a:prstGeom>
+          <a:ln/>
+        </p:spPr>
+        <p:style>
+          <a:lnRef idx="3">
+            <a:schemeClr val="lt1"/>
+          </a:lnRef>
+          <a:fillRef idx="1">
+            <a:schemeClr val="accent2"/>
+          </a:fillRef>
+          <a:effectRef idx="1">
+            <a:schemeClr val="accent2"/>
+          </a:effectRef>
+          <a:fontRef idx="minor">
+            <a:schemeClr val="lt1"/>
+          </a:fontRef>
+        </p:style>
+        <p:txBody>
+          <a:bodyPr wrap="square" lIns="91440" tIns="45720" rIns="91440" bIns="45720">
+            <a:spAutoFit/>
+          </a:bodyPr>
+          <a:lstStyle/>
+          <a:p>
+            <a:pPr algn="ctr"/>
+            <a:r>
+              <a:rPr lang="en-US" sz="2400" dirty="0" smtClean="0">
+                <a:ln w="18415" cmpd="sng">
+                  <a:solidFill>
+                    <a:srgbClr val="FFFFFF"/>
+                  </a:solidFill>
+                  <a:prstDash val="solid"/>
+                </a:ln>
+                <a:solidFill>
+                  <a:srgbClr val="C4BD97"/>
+                </a:solidFill>
+                <a:effectLst>
+                  <a:outerShdw blurRad="63500" dir="3600000" algn="tl" rotWithShape="0">
+                    <a:srgbClr val="000000">
+                      <a:alpha val="70000"/>
+                    </a:srgbClr>
+                  </a:outerShdw>
+                </a:effectLst>
+              </a:rPr>
+              <a:t>Simple Scenario</a:t>
+            </a:r>
+            <a:endParaRPr lang="en-US" sz="2400" dirty="0">
+              <a:ln w="18415" cmpd="sng">
+                <a:solidFill>
+                  <a:srgbClr val="FFFFFF"/>
+                </a:solidFill>
+                <a:prstDash val="solid"/>
+              </a:ln>
+              <a:solidFill>
+                <a:srgbClr val="C4BD97"/>
+              </a:solidFill>
+              <a:effectLst>
+                <a:outerShdw blurRad="63500" dir="3600000" algn="tl" rotWithShape="0">
+                  <a:srgbClr val="000000">
+                    <a:alpha val="70000"/>
+                  </a:srgbClr>
+                </a:outerShdw>
+              </a:effectLst>
+            </a:endParaRPr>
+          </a:p>
+        </p:txBody>
+      </p:sp>
     </p:spTree>
     <p:extLst>
       <p:ext uri="{BB962C8B-B14F-4D97-AF65-F5344CB8AC3E}">
@@ -13939,10 +15181,831 @@
   <p:timing>
     <p:tnLst>
       <p:par>
-        <p:cTn id="1" dur="indefinite" restart="never" nodeType="tmRoot"/>
+        <p:cTn xmlns:p14="http://schemas.microsoft.com/office/powerpoint/2010/main" id="1" dur="indefinite" restart="never" nodeType="tmRoot"/>
       </p:par>
     </p:tnLst>
   </p:timing>
+</p:sld>
+</file>
+
+<file path=ppt/slides/slide21.xml><?xml version="1.0" encoding="utf-8"?>
+<p:sld xmlns:a="http://schemas.openxmlformats.org/drawingml/2006/main" xmlns:r="http://schemas.openxmlformats.org/officeDocument/2006/relationships" xmlns:p="http://schemas.openxmlformats.org/presentationml/2006/main">
+  <p:cSld>
+    <p:spTree>
+      <p:nvGrpSpPr>
+        <p:cNvPr id="1" name=""/>
+        <p:cNvGrpSpPr/>
+        <p:nvPr/>
+      </p:nvGrpSpPr>
+      <p:grpSpPr>
+        <a:xfrm>
+          <a:off x="0" y="0"/>
+          <a:ext cx="0" cy="0"/>
+          <a:chOff x="0" y="0"/>
+          <a:chExt cx="0" cy="0"/>
+        </a:xfrm>
+      </p:grpSpPr>
+      <p:sp>
+        <p:nvSpPr>
+          <p:cNvPr id="3" name="Title 2"/>
+          <p:cNvSpPr>
+            <a:spLocks noGrp="1"/>
+          </p:cNvSpPr>
+          <p:nvPr>
+            <p:ph type="ctrTitle"/>
+          </p:nvPr>
+        </p:nvSpPr>
+        <p:spPr/>
+        <p:txBody>
+          <a:bodyPr/>
+          <a:lstStyle/>
+          <a:p>
+            <a:r>
+              <a:rPr lang="en-US" dirty="0" smtClean="0"/>
+              <a:t>Robustness and Non-Determinism</a:t>
+            </a:r>
+            <a:endParaRPr lang="en-US" dirty="0"/>
+          </a:p>
+        </p:txBody>
+      </p:sp>
+      <p:sp>
+        <p:nvSpPr>
+          <p:cNvPr id="52" name="Isosceles Triangle 51"/>
+          <p:cNvSpPr/>
+          <p:nvPr/>
+        </p:nvSpPr>
+        <p:spPr>
+          <a:xfrm>
+            <a:off x="2857059" y="2309611"/>
+            <a:ext cx="1990097" cy="1680387"/>
+          </a:xfrm>
+          <a:prstGeom prst="triangle">
+            <a:avLst/>
+          </a:prstGeom>
+          <a:noFill/>
+          <a:ln w="76200" cap="sq" cmpd="sng">
+            <a:solidFill>
+              <a:schemeClr val="bg1"/>
+            </a:solidFill>
+            <a:miter lim="800000"/>
+          </a:ln>
+          <a:effectLst>
+            <a:outerShdw blurRad="50800" dist="38100" dir="18900000" algn="bl" rotWithShape="0">
+              <a:prstClr val="black">
+                <a:alpha val="40000"/>
+              </a:prstClr>
+            </a:outerShdw>
+          </a:effectLst>
+        </p:spPr>
+        <p:style>
+          <a:lnRef idx="1">
+            <a:schemeClr val="accent1"/>
+          </a:lnRef>
+          <a:fillRef idx="3">
+            <a:schemeClr val="accent1"/>
+          </a:fillRef>
+          <a:effectRef idx="2">
+            <a:schemeClr val="accent1"/>
+          </a:effectRef>
+          <a:fontRef idx="minor">
+            <a:schemeClr val="lt1"/>
+          </a:fontRef>
+        </p:style>
+        <p:txBody>
+          <a:bodyPr rtlCol="0" anchor="ctr"/>
+          <a:lstStyle/>
+          <a:p>
+            <a:pPr algn="ctr"/>
+            <a:endParaRPr lang="en-US" dirty="0">
+              <a:solidFill>
+                <a:schemeClr val="tx1"/>
+              </a:solidFill>
+            </a:endParaRPr>
+          </a:p>
+        </p:txBody>
+      </p:sp>
+      <p:cxnSp>
+        <p:nvCxnSpPr>
+          <p:cNvPr id="53" name="Straight Connector 52"/>
+          <p:cNvCxnSpPr>
+            <a:stCxn id="52" idx="4"/>
+            <a:endCxn id="64" idx="4"/>
+          </p:cNvCxnSpPr>
+          <p:nvPr/>
+        </p:nvCxnSpPr>
+        <p:spPr>
+          <a:xfrm>
+            <a:off x="4847156" y="3989997"/>
+            <a:ext cx="1945665" cy="986602"/>
+          </a:xfrm>
+          <a:prstGeom prst="line">
+            <a:avLst/>
+          </a:prstGeom>
+          <a:ln w="76200" cmpd="sng">
+            <a:solidFill>
+              <a:schemeClr val="bg1"/>
+            </a:solidFill>
+          </a:ln>
+          <a:effectLst>
+            <a:outerShdw blurRad="50800" dist="38100" dir="18900000" algn="bl" rotWithShape="0">
+              <a:prstClr val="black">
+                <a:alpha val="40000"/>
+              </a:prstClr>
+            </a:outerShdw>
+          </a:effectLst>
+        </p:spPr>
+        <p:style>
+          <a:lnRef idx="2">
+            <a:schemeClr val="accent1"/>
+          </a:lnRef>
+          <a:fillRef idx="0">
+            <a:schemeClr val="accent1"/>
+          </a:fillRef>
+          <a:effectRef idx="1">
+            <a:schemeClr val="accent1"/>
+          </a:effectRef>
+          <a:fontRef idx="minor">
+            <a:schemeClr val="tx1"/>
+          </a:fontRef>
+        </p:style>
+      </p:cxnSp>
+      <p:cxnSp>
+        <p:nvCxnSpPr>
+          <p:cNvPr id="54" name="Straight Connector 53"/>
+          <p:cNvCxnSpPr>
+            <a:stCxn id="52" idx="2"/>
+            <a:endCxn id="64" idx="2"/>
+          </p:cNvCxnSpPr>
+          <p:nvPr/>
+        </p:nvCxnSpPr>
+        <p:spPr>
+          <a:xfrm>
+            <a:off x="2857059" y="3989997"/>
+            <a:ext cx="1945665" cy="986602"/>
+          </a:xfrm>
+          <a:prstGeom prst="line">
+            <a:avLst/>
+          </a:prstGeom>
+          <a:ln w="76200" cmpd="sng">
+            <a:solidFill>
+              <a:schemeClr val="bg1"/>
+            </a:solidFill>
+          </a:ln>
+          <a:effectLst>
+            <a:outerShdw blurRad="50800" dist="38100" dir="18900000" algn="bl" rotWithShape="0">
+              <a:prstClr val="black">
+                <a:alpha val="40000"/>
+              </a:prstClr>
+            </a:outerShdw>
+          </a:effectLst>
+        </p:spPr>
+        <p:style>
+          <a:lnRef idx="2">
+            <a:schemeClr val="accent1"/>
+          </a:lnRef>
+          <a:fillRef idx="0">
+            <a:schemeClr val="accent1"/>
+          </a:fillRef>
+          <a:effectRef idx="1">
+            <a:schemeClr val="accent1"/>
+          </a:effectRef>
+          <a:fontRef idx="minor">
+            <a:schemeClr val="tx1"/>
+          </a:fontRef>
+        </p:style>
+      </p:cxnSp>
+      <p:cxnSp>
+        <p:nvCxnSpPr>
+          <p:cNvPr id="55" name="Straight Connector 54"/>
+          <p:cNvCxnSpPr/>
+          <p:nvPr/>
+        </p:nvCxnSpPr>
+        <p:spPr>
+          <a:xfrm flipH="1">
+            <a:off x="1603570" y="4265888"/>
+            <a:ext cx="2224601" cy="1360929"/>
+          </a:xfrm>
+          <a:prstGeom prst="line">
+            <a:avLst/>
+          </a:prstGeom>
+          <a:ln w="38100" cmpd="sng">
+            <a:solidFill>
+              <a:schemeClr val="bg1"/>
+            </a:solidFill>
+          </a:ln>
+        </p:spPr>
+        <p:style>
+          <a:lnRef idx="2">
+            <a:schemeClr val="accent1"/>
+          </a:lnRef>
+          <a:fillRef idx="0">
+            <a:schemeClr val="accent1"/>
+          </a:fillRef>
+          <a:effectRef idx="1">
+            <a:schemeClr val="accent1"/>
+          </a:effectRef>
+          <a:fontRef idx="minor">
+            <a:schemeClr val="tx1"/>
+          </a:fontRef>
+        </p:style>
+      </p:cxnSp>
+      <p:cxnSp>
+        <p:nvCxnSpPr>
+          <p:cNvPr id="56" name="Straight Connector 55"/>
+          <p:cNvCxnSpPr/>
+          <p:nvPr/>
+        </p:nvCxnSpPr>
+        <p:spPr>
+          <a:xfrm flipV="1">
+            <a:off x="3828170" y="1629085"/>
+            <a:ext cx="2720487" cy="2636804"/>
+          </a:xfrm>
+          <a:prstGeom prst="line">
+            <a:avLst/>
+          </a:prstGeom>
+          <a:ln w="38100" cmpd="sng">
+            <a:solidFill>
+              <a:srgbClr val="FF6600"/>
+            </a:solidFill>
+          </a:ln>
+        </p:spPr>
+        <p:style>
+          <a:lnRef idx="2">
+            <a:schemeClr val="accent1"/>
+          </a:lnRef>
+          <a:fillRef idx="0">
+            <a:schemeClr val="accent1"/>
+          </a:fillRef>
+          <a:effectRef idx="1">
+            <a:schemeClr val="accent1"/>
+          </a:effectRef>
+          <a:fontRef idx="minor">
+            <a:schemeClr val="tx1"/>
+          </a:fontRef>
+        </p:style>
+      </p:cxnSp>
+      <p:cxnSp>
+        <p:nvCxnSpPr>
+          <p:cNvPr id="57" name="Straight Connector 56"/>
+          <p:cNvCxnSpPr/>
+          <p:nvPr/>
+        </p:nvCxnSpPr>
+        <p:spPr>
+          <a:xfrm flipV="1">
+            <a:off x="3828170" y="1629085"/>
+            <a:ext cx="3629612" cy="2636805"/>
+          </a:xfrm>
+          <a:prstGeom prst="line">
+            <a:avLst/>
+          </a:prstGeom>
+          <a:ln w="38100" cmpd="sng">
+            <a:solidFill>
+              <a:srgbClr val="008000"/>
+            </a:solidFill>
+          </a:ln>
+        </p:spPr>
+        <p:style>
+          <a:lnRef idx="2">
+            <a:schemeClr val="accent1"/>
+          </a:lnRef>
+          <a:fillRef idx="0">
+            <a:schemeClr val="accent1"/>
+          </a:fillRef>
+          <a:effectRef idx="1">
+            <a:schemeClr val="accent1"/>
+          </a:effectRef>
+          <a:fontRef idx="minor">
+            <a:schemeClr val="tx1"/>
+          </a:fontRef>
+        </p:style>
+      </p:cxnSp>
+      <p:cxnSp>
+        <p:nvCxnSpPr>
+          <p:cNvPr id="58" name="Straight Connector 57"/>
+          <p:cNvCxnSpPr/>
+          <p:nvPr/>
+        </p:nvCxnSpPr>
+        <p:spPr>
+          <a:xfrm flipV="1">
+            <a:off x="3828170" y="2126346"/>
+            <a:ext cx="4193380" cy="2139541"/>
+          </a:xfrm>
+          <a:prstGeom prst="line">
+            <a:avLst/>
+          </a:prstGeom>
+          <a:ln w="38100" cmpd="sng">
+            <a:solidFill>
+              <a:srgbClr val="000090"/>
+            </a:solidFill>
+          </a:ln>
+        </p:spPr>
+        <p:style>
+          <a:lnRef idx="2">
+            <a:schemeClr val="accent1"/>
+          </a:lnRef>
+          <a:fillRef idx="0">
+            <a:schemeClr val="accent1"/>
+          </a:fillRef>
+          <a:effectRef idx="1">
+            <a:schemeClr val="accent1"/>
+          </a:effectRef>
+          <a:fontRef idx="minor">
+            <a:schemeClr val="tx1"/>
+          </a:fontRef>
+        </p:style>
+      </p:cxnSp>
+      <p:cxnSp>
+        <p:nvCxnSpPr>
+          <p:cNvPr id="59" name="Straight Connector 58"/>
+          <p:cNvCxnSpPr/>
+          <p:nvPr/>
+        </p:nvCxnSpPr>
+        <p:spPr>
+          <a:xfrm flipV="1">
+            <a:off x="3828170" y="1694513"/>
+            <a:ext cx="4193380" cy="2571376"/>
+          </a:xfrm>
+          <a:prstGeom prst="line">
+            <a:avLst/>
+          </a:prstGeom>
+          <a:ln w="38100" cmpd="sng">
+            <a:solidFill>
+              <a:srgbClr val="0000FF"/>
+            </a:solidFill>
+          </a:ln>
+        </p:spPr>
+        <p:style>
+          <a:lnRef idx="2">
+            <a:schemeClr val="accent1"/>
+          </a:lnRef>
+          <a:fillRef idx="0">
+            <a:schemeClr val="accent1"/>
+          </a:fillRef>
+          <a:effectRef idx="1">
+            <a:schemeClr val="accent1"/>
+          </a:effectRef>
+          <a:fontRef idx="minor">
+            <a:schemeClr val="tx1"/>
+          </a:fontRef>
+        </p:style>
+      </p:cxnSp>
+      <p:cxnSp>
+        <p:nvCxnSpPr>
+          <p:cNvPr id="60" name="Straight Connector 59"/>
+          <p:cNvCxnSpPr/>
+          <p:nvPr/>
+        </p:nvCxnSpPr>
+        <p:spPr>
+          <a:xfrm flipV="1">
+            <a:off x="3828170" y="1629085"/>
+            <a:ext cx="3099289" cy="2636803"/>
+          </a:xfrm>
+          <a:prstGeom prst="line">
+            <a:avLst/>
+          </a:prstGeom>
+          <a:ln w="38100" cmpd="sng">
+            <a:solidFill>
+              <a:srgbClr val="FFFF00"/>
+            </a:solidFill>
+          </a:ln>
+        </p:spPr>
+        <p:style>
+          <a:lnRef idx="2">
+            <a:schemeClr val="accent1"/>
+          </a:lnRef>
+          <a:fillRef idx="0">
+            <a:schemeClr val="accent1"/>
+          </a:fillRef>
+          <a:effectRef idx="1">
+            <a:schemeClr val="accent1"/>
+          </a:effectRef>
+          <a:fontRef idx="minor">
+            <a:schemeClr val="tx1"/>
+          </a:fontRef>
+        </p:style>
+      </p:cxnSp>
+      <p:cxnSp>
+        <p:nvCxnSpPr>
+          <p:cNvPr id="61" name="Straight Connector 60"/>
+          <p:cNvCxnSpPr/>
+          <p:nvPr/>
+        </p:nvCxnSpPr>
+        <p:spPr>
+          <a:xfrm flipV="1">
+            <a:off x="3828170" y="1629085"/>
+            <a:ext cx="2431220" cy="2636803"/>
+          </a:xfrm>
+          <a:prstGeom prst="line">
+            <a:avLst/>
+          </a:prstGeom>
+          <a:ln w="38100" cmpd="sng">
+            <a:solidFill>
+              <a:srgbClr val="FF0000"/>
+            </a:solidFill>
+          </a:ln>
+        </p:spPr>
+        <p:style>
+          <a:lnRef idx="2">
+            <a:schemeClr val="accent1"/>
+          </a:lnRef>
+          <a:fillRef idx="0">
+            <a:schemeClr val="accent1"/>
+          </a:fillRef>
+          <a:effectRef idx="1">
+            <a:schemeClr val="accent1"/>
+          </a:effectRef>
+          <a:fontRef idx="minor">
+            <a:schemeClr val="tx1"/>
+          </a:fontRef>
+        </p:style>
+      </p:cxnSp>
+      <p:cxnSp>
+        <p:nvCxnSpPr>
+          <p:cNvPr id="62" name="Straight Connector 61"/>
+          <p:cNvCxnSpPr/>
+          <p:nvPr/>
+        </p:nvCxnSpPr>
+        <p:spPr>
+          <a:xfrm flipV="1">
+            <a:off x="3828170" y="2584351"/>
+            <a:ext cx="4193380" cy="1681536"/>
+          </a:xfrm>
+          <a:prstGeom prst="line">
+            <a:avLst/>
+          </a:prstGeom>
+          <a:ln w="38100" cmpd="sng">
+            <a:solidFill>
+              <a:srgbClr val="660066"/>
+            </a:solidFill>
+          </a:ln>
+        </p:spPr>
+        <p:style>
+          <a:lnRef idx="2">
+            <a:schemeClr val="accent1"/>
+          </a:lnRef>
+          <a:fillRef idx="0">
+            <a:schemeClr val="accent1"/>
+          </a:fillRef>
+          <a:effectRef idx="1">
+            <a:schemeClr val="accent1"/>
+          </a:effectRef>
+          <a:fontRef idx="minor">
+            <a:schemeClr val="tx1"/>
+          </a:fontRef>
+        </p:style>
+      </p:cxnSp>
+      <p:cxnSp>
+        <p:nvCxnSpPr>
+          <p:cNvPr id="63" name="Straight Connector 62"/>
+          <p:cNvCxnSpPr>
+            <a:stCxn id="52" idx="0"/>
+            <a:endCxn id="64" idx="0"/>
+          </p:cNvCxnSpPr>
+          <p:nvPr/>
+        </p:nvCxnSpPr>
+        <p:spPr>
+          <a:xfrm>
+            <a:off x="3852108" y="2309611"/>
+            <a:ext cx="1945665" cy="986602"/>
+          </a:xfrm>
+          <a:prstGeom prst="line">
+            <a:avLst/>
+          </a:prstGeom>
+          <a:ln w="76200" cmpd="sng">
+            <a:solidFill>
+              <a:schemeClr val="bg1"/>
+            </a:solidFill>
+          </a:ln>
+          <a:effectLst>
+            <a:outerShdw blurRad="50800" dist="38100" dir="18900000" algn="bl" rotWithShape="0">
+              <a:prstClr val="black">
+                <a:alpha val="40000"/>
+              </a:prstClr>
+            </a:outerShdw>
+          </a:effectLst>
+        </p:spPr>
+        <p:style>
+          <a:lnRef idx="2">
+            <a:schemeClr val="accent1"/>
+          </a:lnRef>
+          <a:fillRef idx="0">
+            <a:schemeClr val="accent1"/>
+          </a:fillRef>
+          <a:effectRef idx="1">
+            <a:schemeClr val="accent1"/>
+          </a:effectRef>
+          <a:fontRef idx="minor">
+            <a:schemeClr val="tx1"/>
+          </a:fontRef>
+        </p:style>
+      </p:cxnSp>
+      <p:sp>
+        <p:nvSpPr>
+          <p:cNvPr id="64" name="Isosceles Triangle 63"/>
+          <p:cNvSpPr/>
+          <p:nvPr/>
+        </p:nvSpPr>
+        <p:spPr>
+          <a:xfrm>
+            <a:off x="4802724" y="3296213"/>
+            <a:ext cx="1990097" cy="1680387"/>
+          </a:xfrm>
+          <a:prstGeom prst="triangle">
+            <a:avLst/>
+          </a:prstGeom>
+          <a:noFill/>
+          <a:ln w="76200" cap="sq" cmpd="sng">
+            <a:solidFill>
+              <a:schemeClr val="bg1"/>
+            </a:solidFill>
+            <a:miter lim="800000"/>
+          </a:ln>
+          <a:effectLst>
+            <a:outerShdw blurRad="50800" dist="38100" dir="18900000" algn="bl" rotWithShape="0">
+              <a:prstClr val="black">
+                <a:alpha val="40000"/>
+              </a:prstClr>
+            </a:outerShdw>
+          </a:effectLst>
+        </p:spPr>
+        <p:style>
+          <a:lnRef idx="1">
+            <a:schemeClr val="accent1"/>
+          </a:lnRef>
+          <a:fillRef idx="3">
+            <a:schemeClr val="accent1"/>
+          </a:fillRef>
+          <a:effectRef idx="2">
+            <a:schemeClr val="accent1"/>
+          </a:effectRef>
+          <a:fontRef idx="minor">
+            <a:schemeClr val="lt1"/>
+          </a:fontRef>
+        </p:style>
+        <p:txBody>
+          <a:bodyPr rtlCol="0" anchor="ctr"/>
+          <a:lstStyle/>
+          <a:p>
+            <a:pPr algn="ctr"/>
+            <a:endParaRPr lang="en-US" dirty="0">
+              <a:solidFill>
+                <a:schemeClr val="bg1"/>
+              </a:solidFill>
+            </a:endParaRPr>
+          </a:p>
+        </p:txBody>
+      </p:sp>
+      <p:sp>
+        <p:nvSpPr>
+          <p:cNvPr id="65" name="Rectangle 64"/>
+          <p:cNvSpPr/>
+          <p:nvPr/>
+        </p:nvSpPr>
+        <p:spPr>
+          <a:xfrm>
+            <a:off x="1073248" y="5486401"/>
+            <a:ext cx="3498752" cy="461665"/>
+          </a:xfrm>
+          <a:prstGeom prst="rect">
+            <a:avLst/>
+          </a:prstGeom>
+          <a:ln/>
+        </p:spPr>
+        <p:style>
+          <a:lnRef idx="3">
+            <a:schemeClr val="lt1"/>
+          </a:lnRef>
+          <a:fillRef idx="1">
+            <a:schemeClr val="accent2"/>
+          </a:fillRef>
+          <a:effectRef idx="1">
+            <a:schemeClr val="accent2"/>
+          </a:effectRef>
+          <a:fontRef idx="minor">
+            <a:schemeClr val="lt1"/>
+          </a:fontRef>
+        </p:style>
+        <p:txBody>
+          <a:bodyPr wrap="square" lIns="91440" tIns="45720" rIns="91440" bIns="45720">
+            <a:spAutoFit/>
+          </a:bodyPr>
+          <a:lstStyle/>
+          <a:p>
+            <a:pPr algn="ctr"/>
+            <a:r>
+              <a:rPr lang="en-US" sz="2400" dirty="0" smtClean="0">
+                <a:ln w="18415" cmpd="sng">
+                  <a:solidFill>
+                    <a:schemeClr val="bg1"/>
+                  </a:solidFill>
+                  <a:prstDash val="solid"/>
+                </a:ln>
+                <a:solidFill>
+                  <a:schemeClr val="bg2">
+                    <a:lumMod val="75000"/>
+                  </a:schemeClr>
+                </a:solidFill>
+                <a:effectLst>
+                  <a:outerShdw blurRad="63500" dir="3600000" algn="tl" rotWithShape="0">
+                    <a:srgbClr val="000000">
+                      <a:alpha val="70000"/>
+                    </a:srgbClr>
+                  </a:outerShdw>
+                </a:effectLst>
+              </a:rPr>
+              <a:t>Non-Deterministic Model</a:t>
+            </a:r>
+            <a:endParaRPr lang="en-US" sz="2400" dirty="0">
+              <a:ln w="18415" cmpd="sng">
+                <a:solidFill>
+                  <a:schemeClr val="bg1"/>
+                </a:solidFill>
+                <a:prstDash val="solid"/>
+              </a:ln>
+              <a:solidFill>
+                <a:schemeClr val="bg2">
+                  <a:lumMod val="75000"/>
+                </a:schemeClr>
+              </a:solidFill>
+              <a:effectLst>
+                <a:outerShdw blurRad="63500" dir="3600000" algn="tl" rotWithShape="0">
+                  <a:srgbClr val="000000">
+                    <a:alpha val="70000"/>
+                  </a:srgbClr>
+                </a:outerShdw>
+              </a:effectLst>
+            </a:endParaRPr>
+          </a:p>
+        </p:txBody>
+      </p:sp>
+      <p:sp>
+        <p:nvSpPr>
+          <p:cNvPr id="66" name="Rectangle 65"/>
+          <p:cNvSpPr/>
+          <p:nvPr/>
+        </p:nvSpPr>
+        <p:spPr>
+          <a:xfrm>
+            <a:off x="5943600" y="1253266"/>
+            <a:ext cx="2077951" cy="461665"/>
+          </a:xfrm>
+          <a:prstGeom prst="rect">
+            <a:avLst/>
+          </a:prstGeom>
+          <a:ln/>
+        </p:spPr>
+        <p:style>
+          <a:lnRef idx="3">
+            <a:schemeClr val="lt1"/>
+          </a:lnRef>
+          <a:fillRef idx="1">
+            <a:schemeClr val="accent2"/>
+          </a:fillRef>
+          <a:effectRef idx="1">
+            <a:schemeClr val="accent2"/>
+          </a:effectRef>
+          <a:fontRef idx="minor">
+            <a:schemeClr val="lt1"/>
+          </a:fontRef>
+        </p:style>
+        <p:txBody>
+          <a:bodyPr wrap="square" lIns="91440" tIns="45720" rIns="91440" bIns="45720">
+            <a:spAutoFit/>
+          </a:bodyPr>
+          <a:lstStyle/>
+          <a:p>
+            <a:pPr algn="ctr"/>
+            <a:r>
+              <a:rPr lang="en-US" sz="2400" dirty="0" smtClean="0">
+                <a:ln w="18415" cmpd="sng">
+                  <a:solidFill>
+                    <a:srgbClr val="FFFFFF"/>
+                  </a:solidFill>
+                  <a:prstDash val="solid"/>
+                </a:ln>
+                <a:solidFill>
+                  <a:srgbClr val="C4BD97"/>
+                </a:solidFill>
+                <a:effectLst>
+                  <a:outerShdw blurRad="63500" dir="3600000" algn="tl" rotWithShape="0">
+                    <a:srgbClr val="000000">
+                      <a:alpha val="70000"/>
+                    </a:srgbClr>
+                  </a:outerShdw>
+                </a:effectLst>
+              </a:rPr>
+              <a:t>Many Models</a:t>
+            </a:r>
+            <a:endParaRPr lang="en-US" sz="2400" dirty="0">
+              <a:ln w="18415" cmpd="sng">
+                <a:solidFill>
+                  <a:srgbClr val="FFFFFF"/>
+                </a:solidFill>
+                <a:prstDash val="solid"/>
+              </a:ln>
+              <a:solidFill>
+                <a:srgbClr val="C4BD97"/>
+              </a:solidFill>
+              <a:effectLst>
+                <a:outerShdw blurRad="63500" dir="3600000" algn="tl" rotWithShape="0">
+                  <a:srgbClr val="000000">
+                    <a:alpha val="70000"/>
+                  </a:srgbClr>
+                </a:outerShdw>
+              </a:effectLst>
+            </a:endParaRPr>
+          </a:p>
+        </p:txBody>
+      </p:sp>
+      <p:sp>
+        <p:nvSpPr>
+          <p:cNvPr id="67" name="Rectangle 66"/>
+          <p:cNvSpPr/>
+          <p:nvPr/>
+        </p:nvSpPr>
+        <p:spPr>
+          <a:xfrm>
+            <a:off x="4648200" y="4207001"/>
+            <a:ext cx="2181710" cy="461665"/>
+          </a:xfrm>
+          <a:prstGeom prst="rect">
+            <a:avLst/>
+          </a:prstGeom>
+          <a:ln/>
+        </p:spPr>
+        <p:style>
+          <a:lnRef idx="3">
+            <a:schemeClr val="lt1"/>
+          </a:lnRef>
+          <a:fillRef idx="1">
+            <a:schemeClr val="accent2"/>
+          </a:fillRef>
+          <a:effectRef idx="1">
+            <a:schemeClr val="accent2"/>
+          </a:effectRef>
+          <a:fontRef idx="minor">
+            <a:schemeClr val="lt1"/>
+          </a:fontRef>
+        </p:style>
+        <p:txBody>
+          <a:bodyPr wrap="square" lIns="91440" tIns="45720" rIns="91440" bIns="45720">
+            <a:spAutoFit/>
+          </a:bodyPr>
+          <a:lstStyle/>
+          <a:p>
+            <a:pPr algn="ctr"/>
+            <a:r>
+              <a:rPr lang="en-US" sz="2400" dirty="0" smtClean="0">
+                <a:ln w="18415" cmpd="sng">
+                  <a:solidFill>
+                    <a:srgbClr val="FFFFFF"/>
+                  </a:solidFill>
+                  <a:prstDash val="solid"/>
+                </a:ln>
+                <a:solidFill>
+                  <a:srgbClr val="C4BD97"/>
+                </a:solidFill>
+                <a:effectLst>
+                  <a:outerShdw blurRad="63500" dir="3600000" algn="tl" rotWithShape="0">
+                    <a:srgbClr val="000000">
+                      <a:alpha val="70000"/>
+                    </a:srgbClr>
+                  </a:outerShdw>
+                </a:effectLst>
+              </a:rPr>
+              <a:t>Java Pathfinder</a:t>
+            </a:r>
+            <a:endParaRPr lang="en-US" sz="2400" dirty="0">
+              <a:ln w="18415" cmpd="sng">
+                <a:solidFill>
+                  <a:srgbClr val="FFFFFF"/>
+                </a:solidFill>
+                <a:prstDash val="solid"/>
+              </a:ln>
+              <a:solidFill>
+                <a:srgbClr val="C4BD97"/>
+              </a:solidFill>
+              <a:effectLst>
+                <a:outerShdw blurRad="63500" dir="3600000" algn="tl" rotWithShape="0">
+                  <a:srgbClr val="000000">
+                    <a:alpha val="70000"/>
+                  </a:srgbClr>
+                </a:outerShdw>
+              </a:effectLst>
+            </a:endParaRPr>
+          </a:p>
+        </p:txBody>
+      </p:sp>
+    </p:spTree>
+    <p:extLst>
+      <p:ext uri="{BB962C8B-B14F-4D97-AF65-F5344CB8AC3E}">
+        <p14:creationId xmlns:p14="http://schemas.microsoft.com/office/powerpoint/2010/main" val="12105137"/>
+      </p:ext>
+    </p:extLst>
+  </p:cSld>
+  <p:clrMapOvr>
+    <a:masterClrMapping/>
+  </p:clrMapOvr>
 </p:sld>
 </file>
 
@@ -14005,7 +16068,7 @@
   <p:timing>
     <p:tnLst>
       <p:par>
-        <p:cTn id="1" dur="indefinite" restart="never" nodeType="tmRoot"/>
+        <p:cTn xmlns:p14="http://schemas.microsoft.com/office/powerpoint/2010/main" id="1" dur="indefinite" restart="never" nodeType="tmRoot"/>
       </p:par>
     </p:tnLst>
   </p:timing>
@@ -14106,7 +16169,7 @@
   <p:timing>
     <p:tnLst>
       <p:par>
-        <p:cTn id="1" dur="indefinite" restart="never" nodeType="tmRoot"/>
+        <p:cTn xmlns:p14="http://schemas.microsoft.com/office/powerpoint/2010/main" id="1" dur="indefinite" restart="never" nodeType="tmRoot"/>
       </p:par>
     </p:tnLst>
   </p:timing>
@@ -14287,8 +16350,8 @@
         </p:nvCxnSpPr>
         <p:spPr>
           <a:xfrm>
-            <a:off x="5301598" y="5545903"/>
-            <a:ext cx="1752600" cy="0"/>
+            <a:off x="5501002" y="5545903"/>
+            <a:ext cx="1324360" cy="0"/>
           </a:xfrm>
           <a:prstGeom prst="straightConnector1">
             <a:avLst/>
@@ -14320,8 +16383,8 @@
         </p:nvCxnSpPr>
         <p:spPr>
           <a:xfrm>
-            <a:off x="5301598" y="5088703"/>
-            <a:ext cx="1752600" cy="0"/>
+            <a:off x="5501002" y="5084238"/>
+            <a:ext cx="1324852" cy="4465"/>
           </a:xfrm>
           <a:prstGeom prst="straightConnector1">
             <a:avLst/>
@@ -14353,8 +16416,8 @@
         </p:nvCxnSpPr>
         <p:spPr>
           <a:xfrm>
-            <a:off x="5301598" y="4631503"/>
-            <a:ext cx="1752600" cy="0"/>
+            <a:off x="5501002" y="4649119"/>
+            <a:ext cx="1324360" cy="8587"/>
           </a:xfrm>
           <a:prstGeom prst="straightConnector1">
             <a:avLst/>
@@ -14386,8 +16449,8 @@
         </p:nvCxnSpPr>
         <p:spPr>
           <a:xfrm>
-            <a:off x="5301598" y="4174303"/>
-            <a:ext cx="1752600" cy="0"/>
+            <a:off x="5498052" y="4174303"/>
+            <a:ext cx="1327310" cy="0"/>
           </a:xfrm>
           <a:prstGeom prst="straightConnector1">
             <a:avLst/>
@@ -14419,8 +16482,8 @@
         </p:nvCxnSpPr>
         <p:spPr>
           <a:xfrm flipH="1">
-            <a:off x="2101198" y="4174303"/>
-            <a:ext cx="1752600" cy="0"/>
+            <a:off x="2329798" y="4174303"/>
+            <a:ext cx="1327566" cy="21738"/>
           </a:xfrm>
           <a:prstGeom prst="straightConnector1">
             <a:avLst/>
@@ -14452,8 +16515,8 @@
         </p:nvCxnSpPr>
         <p:spPr>
           <a:xfrm flipH="1">
-            <a:off x="2101198" y="4631503"/>
-            <a:ext cx="1752600" cy="0"/>
+            <a:off x="2329798" y="4649119"/>
+            <a:ext cx="1327566" cy="0"/>
           </a:xfrm>
           <a:prstGeom prst="straightConnector1">
             <a:avLst/>
@@ -14485,8 +16548,8 @@
         </p:nvCxnSpPr>
         <p:spPr>
           <a:xfrm flipH="1">
-            <a:off x="2101198" y="5088703"/>
-            <a:ext cx="1752600" cy="0"/>
+            <a:off x="2329798" y="5098786"/>
+            <a:ext cx="1327566" cy="0"/>
           </a:xfrm>
           <a:prstGeom prst="straightConnector1">
             <a:avLst/>
@@ -14518,8 +16581,8 @@
         </p:nvCxnSpPr>
         <p:spPr>
           <a:xfrm flipH="1">
-            <a:off x="2101198" y="5545903"/>
-            <a:ext cx="1752600" cy="0"/>
+            <a:off x="2329798" y="5545903"/>
+            <a:ext cx="1327566" cy="0"/>
           </a:xfrm>
           <a:prstGeom prst="straightConnector1">
             <a:avLst/>
@@ -14799,8 +16862,8 @@
         </p:nvCxnSpPr>
         <p:spPr>
           <a:xfrm>
-            <a:off x="2133600" y="3429000"/>
-            <a:ext cx="1752600" cy="0"/>
+            <a:off x="2317910" y="3429000"/>
+            <a:ext cx="1351342" cy="0"/>
           </a:xfrm>
           <a:prstGeom prst="straightConnector1">
             <a:avLst/>
@@ -14832,8 +16895,8 @@
         </p:nvCxnSpPr>
         <p:spPr>
           <a:xfrm>
-            <a:off x="2133600" y="2971800"/>
-            <a:ext cx="1752600" cy="0"/>
+            <a:off x="2329798" y="2971800"/>
+            <a:ext cx="1327566" cy="0"/>
           </a:xfrm>
           <a:prstGeom prst="straightConnector1">
             <a:avLst/>
@@ -14865,8 +16928,8 @@
         </p:nvCxnSpPr>
         <p:spPr>
           <a:xfrm>
-            <a:off x="2133600" y="2514600"/>
-            <a:ext cx="1752600" cy="0"/>
+            <a:off x="2317910" y="2497903"/>
+            <a:ext cx="1351342" cy="0"/>
           </a:xfrm>
           <a:prstGeom prst="straightConnector1">
             <a:avLst/>
@@ -14897,9 +16960,9 @@
           <p:nvPr/>
         </p:nvCxnSpPr>
         <p:spPr>
-          <a:xfrm>
-            <a:off x="2133600" y="2057400"/>
-            <a:ext cx="1752600" cy="0"/>
+          <a:xfrm flipV="1">
+            <a:off x="2317910" y="2061865"/>
+            <a:ext cx="1351342" cy="17273"/>
           </a:xfrm>
           <a:prstGeom prst="straightConnector1">
             <a:avLst/>
@@ -15055,8 +17118,8 @@
         </p:nvCxnSpPr>
         <p:spPr>
           <a:xfrm flipH="1">
-            <a:off x="5257800" y="2040703"/>
-            <a:ext cx="1752600" cy="0"/>
+            <a:off x="5498052" y="2040703"/>
+            <a:ext cx="1283748" cy="13151"/>
           </a:xfrm>
           <a:prstGeom prst="straightConnector1">
             <a:avLst/>
@@ -15088,8 +17151,8 @@
         </p:nvCxnSpPr>
         <p:spPr>
           <a:xfrm flipH="1">
-            <a:off x="5257800" y="2497903"/>
-            <a:ext cx="1752600" cy="0"/>
+            <a:off x="5498052" y="2497903"/>
+            <a:ext cx="1327310" cy="0"/>
           </a:xfrm>
           <a:prstGeom prst="straightConnector1">
             <a:avLst/>
@@ -15121,8 +17184,8 @@
         </p:nvCxnSpPr>
         <p:spPr>
           <a:xfrm flipH="1">
-            <a:off x="5257800" y="2955103"/>
-            <a:ext cx="1752600" cy="0"/>
+            <a:off x="5498052" y="2955103"/>
+            <a:ext cx="1327310" cy="0"/>
           </a:xfrm>
           <a:prstGeom prst="straightConnector1">
             <a:avLst/>
@@ -15154,8 +17217,8 @@
         </p:nvCxnSpPr>
         <p:spPr>
           <a:xfrm flipH="1">
-            <a:off x="5257800" y="3412303"/>
-            <a:ext cx="1752600" cy="0"/>
+            <a:off x="5498052" y="3412303"/>
+            <a:ext cx="1327310" cy="0"/>
           </a:xfrm>
           <a:prstGeom prst="straightConnector1">
             <a:avLst/>
@@ -15316,7 +17379,7 @@
   <p:timing>
     <p:tnLst>
       <p:par>
-        <p:cTn id="1" dur="indefinite" restart="never" nodeType="tmRoot"/>
+        <p:cTn xmlns:p14="http://schemas.microsoft.com/office/powerpoint/2010/main" id="1" dur="indefinite" restart="never" nodeType="tmRoot"/>
       </p:par>
     </p:tnLst>
   </p:timing>
@@ -15447,90 +17510,208 @@
           </a:p>
         </p:txBody>
       </p:sp>
+      <p:cxnSp>
+        <p:nvCxnSpPr>
+          <p:cNvPr id="4" name="Straight Arrow Connector 3"/>
+          <p:cNvCxnSpPr/>
+          <p:nvPr/>
+        </p:nvCxnSpPr>
+        <p:spPr>
+          <a:xfrm flipH="1">
+            <a:off x="3962400" y="2286000"/>
+            <a:ext cx="1339978" cy="0"/>
+          </a:xfrm>
+          <a:prstGeom prst="straightConnector1">
+            <a:avLst/>
+          </a:prstGeom>
+          <a:ln w="57150" cmpd="sng">
+            <a:solidFill>
+              <a:srgbClr val="000000"/>
+            </a:solidFill>
+            <a:tailEnd type="arrow"/>
+          </a:ln>
+        </p:spPr>
+        <p:style>
+          <a:lnRef idx="2">
+            <a:schemeClr val="accent1"/>
+          </a:lnRef>
+          <a:fillRef idx="0">
+            <a:schemeClr val="accent1"/>
+          </a:fillRef>
+          <a:effectRef idx="1">
+            <a:schemeClr val="accent1"/>
+          </a:effectRef>
+          <a:fontRef idx="minor">
+            <a:schemeClr val="tx1"/>
+          </a:fontRef>
+        </p:style>
+      </p:cxnSp>
+      <p:cxnSp>
+        <p:nvCxnSpPr>
+          <p:cNvPr id="6" name="Straight Arrow Connector 5"/>
+          <p:cNvCxnSpPr/>
+          <p:nvPr/>
+        </p:nvCxnSpPr>
+        <p:spPr>
+          <a:xfrm>
+            <a:off x="3962400" y="2895600"/>
+            <a:ext cx="1339978" cy="0"/>
+          </a:xfrm>
+          <a:prstGeom prst="straightConnector1">
+            <a:avLst/>
+          </a:prstGeom>
+          <a:ln w="57150" cmpd="sng">
+            <a:solidFill>
+              <a:srgbClr val="000000"/>
+            </a:solidFill>
+            <a:tailEnd type="arrow"/>
+          </a:ln>
+        </p:spPr>
+        <p:style>
+          <a:lnRef idx="2">
+            <a:schemeClr val="accent1"/>
+          </a:lnRef>
+          <a:fillRef idx="0">
+            <a:schemeClr val="accent1"/>
+          </a:fillRef>
+          <a:effectRef idx="1">
+            <a:schemeClr val="accent1"/>
+          </a:effectRef>
+          <a:fontRef idx="minor">
+            <a:schemeClr val="tx1"/>
+          </a:fontRef>
+        </p:style>
+      </p:cxnSp>
       <p:sp>
         <p:nvSpPr>
-          <p:cNvPr id="2" name="Right Arrow 1"/>
-          <p:cNvSpPr/>
+          <p:cNvPr id="7" name="TextBox 6"/>
+          <p:cNvSpPr txBox="1"/>
           <p:nvPr/>
         </p:nvSpPr>
         <p:spPr>
           <a:xfrm>
-            <a:off x="3937096" y="2354148"/>
-            <a:ext cx="1854104" cy="914400"/>
-          </a:xfrm>
-          <a:prstGeom prst="rightArrow">
+            <a:off x="4267200" y="1790972"/>
+            <a:ext cx="340658" cy="461665"/>
+          </a:xfrm>
+          <a:prstGeom prst="rect">
             <a:avLst/>
           </a:prstGeom>
+          <a:noFill/>
+        </p:spPr>
+        <p:txBody>
+          <a:bodyPr wrap="none" rtlCol="0">
+            <a:spAutoFit/>
+          </a:bodyPr>
+          <a:lstStyle/>
+          <a:p>
+            <a:r>
+              <a:rPr lang="en-US" sz="2400" dirty="0" smtClean="0"/>
+              <a:t>4</a:t>
+            </a:r>
+            <a:endParaRPr lang="en-US" sz="2400" dirty="0"/>
+          </a:p>
+        </p:txBody>
+      </p:sp>
+      <p:cxnSp>
+        <p:nvCxnSpPr>
+          <p:cNvPr id="10" name="Straight Connector 9"/>
+          <p:cNvCxnSpPr/>
+          <p:nvPr/>
+        </p:nvCxnSpPr>
+        <p:spPr>
+          <a:xfrm flipH="1">
+            <a:off x="4495800" y="2057400"/>
+            <a:ext cx="152400" cy="457200"/>
+          </a:xfrm>
+          <a:prstGeom prst="line">
+            <a:avLst/>
+          </a:prstGeom>
+          <a:ln>
+            <a:solidFill>
+              <a:srgbClr val="000000"/>
+            </a:solidFill>
+          </a:ln>
         </p:spPr>
         <p:style>
-          <a:lnRef idx="3">
-            <a:schemeClr val="lt1"/>
+          <a:lnRef idx="2">
+            <a:schemeClr val="accent1"/>
           </a:lnRef>
-          <a:fillRef idx="1">
-            <a:schemeClr val="dk1"/>
+          <a:fillRef idx="0">
+            <a:schemeClr val="accent1"/>
           </a:fillRef>
           <a:effectRef idx="1">
-            <a:schemeClr val="dk1"/>
+            <a:schemeClr val="accent1"/>
           </a:effectRef>
           <a:fontRef idx="minor">
-            <a:schemeClr val="lt1"/>
+            <a:schemeClr val="tx1"/>
           </a:fontRef>
         </p:style>
+      </p:cxnSp>
+      <p:sp>
+        <p:nvSpPr>
+          <p:cNvPr id="14" name="TextBox 13"/>
+          <p:cNvSpPr txBox="1"/>
+          <p:nvPr/>
+        </p:nvSpPr>
+        <p:spPr>
+          <a:xfrm>
+            <a:off x="4419600" y="2438400"/>
+            <a:ext cx="340658" cy="461665"/>
+          </a:xfrm>
+          <a:prstGeom prst="rect">
+            <a:avLst/>
+          </a:prstGeom>
+          <a:noFill/>
+        </p:spPr>
         <p:txBody>
-          <a:bodyPr rtlCol="0" anchor="ctr"/>
+          <a:bodyPr wrap="none" rtlCol="0">
+            <a:spAutoFit/>
+          </a:bodyPr>
           <a:lstStyle/>
           <a:p>
-            <a:pPr algn="ctr"/>
             <a:r>
               <a:rPr lang="en-US" sz="2400" dirty="0" smtClean="0"/>
-              <a:t>4/</a:t>
+              <a:t>4</a:t>
             </a:r>
             <a:endParaRPr lang="en-US" sz="2400" dirty="0"/>
           </a:p>
         </p:txBody>
       </p:sp>
-      <p:sp>
-        <p:nvSpPr>
-          <p:cNvPr id="8" name="Left Arrow 7"/>
-          <p:cNvSpPr/>
+      <p:cxnSp>
+        <p:nvCxnSpPr>
+          <p:cNvPr id="15" name="Straight Connector 14"/>
+          <p:cNvCxnSpPr/>
           <p:nvPr/>
-        </p:nvSpPr>
-        <p:spPr>
-          <a:xfrm>
-            <a:off x="3505201" y="1906152"/>
-            <a:ext cx="1823686" cy="914400"/>
-          </a:xfrm>
-          <a:prstGeom prst="leftArrow">
+        </p:nvCxnSpPr>
+        <p:spPr>
+          <a:xfrm flipH="1">
+            <a:off x="4648200" y="2704828"/>
+            <a:ext cx="152400" cy="457200"/>
+          </a:xfrm>
+          <a:prstGeom prst="line">
             <a:avLst/>
           </a:prstGeom>
+          <a:ln>
+            <a:solidFill>
+              <a:srgbClr val="000000"/>
+            </a:solidFill>
+          </a:ln>
         </p:spPr>
         <p:style>
-          <a:lnRef idx="3">
-            <a:schemeClr val="lt1"/>
+          <a:lnRef idx="2">
+            <a:schemeClr val="accent1"/>
           </a:lnRef>
-          <a:fillRef idx="1">
-            <a:schemeClr val="dk1"/>
+          <a:fillRef idx="0">
+            <a:schemeClr val="accent1"/>
           </a:fillRef>
           <a:effectRef idx="1">
-            <a:schemeClr val="dk1"/>
+            <a:schemeClr val="accent1"/>
           </a:effectRef>
           <a:fontRef idx="minor">
-            <a:schemeClr val="lt1"/>
+            <a:schemeClr val="tx1"/>
           </a:fontRef>
         </p:style>
-        <p:txBody>
-          <a:bodyPr rtlCol="0" anchor="ctr"/>
-          <a:lstStyle/>
-          <a:p>
-            <a:pPr algn="ctr"/>
-            <a:r>
-              <a:rPr lang="en-US" sz="2400" dirty="0" smtClean="0"/>
-              <a:t>4/</a:t>
-            </a:r>
-            <a:endParaRPr lang="en-US" sz="2400" dirty="0"/>
-          </a:p>
-        </p:txBody>
-      </p:sp>
+      </p:cxnSp>
     </p:spTree>
     <p:extLst>
       <p:ext uri="{BB962C8B-B14F-4D97-AF65-F5344CB8AC3E}">
@@ -15544,7 +17725,7 @@
   <p:timing>
     <p:tnLst>
       <p:par>
-        <p:cTn id="1" dur="indefinite" restart="never" nodeType="tmRoot"/>
+        <p:cTn xmlns:p14="http://schemas.microsoft.com/office/powerpoint/2010/main" id="1" dur="indefinite" restart="never" nodeType="tmRoot"/>
       </p:par>
     </p:tnLst>
   </p:timing>
@@ -15880,7 +18061,7 @@
   <p:timing>
     <p:tnLst>
       <p:par>
-        <p:cTn id="1" dur="indefinite" restart="never" nodeType="tmRoot"/>
+        <p:cTn xmlns:p14="http://schemas.microsoft.com/office/powerpoint/2010/main" id="1" dur="indefinite" restart="never" nodeType="tmRoot"/>
       </p:par>
     </p:tnLst>
   </p:timing>
@@ -16293,7 +18474,7 @@
   <p:timing>
     <p:tnLst>
       <p:par>
-        <p:cTn id="1" dur="indefinite" restart="never" nodeType="tmRoot"/>
+        <p:cTn xmlns:p14="http://schemas.microsoft.com/office/powerpoint/2010/main" id="1" dur="indefinite" restart="never" nodeType="tmRoot"/>
       </p:par>
     </p:tnLst>
   </p:timing>
@@ -16827,7 +19008,7 @@
   <p:timing>
     <p:tnLst>
       <p:par>
-        <p:cTn id="1" dur="indefinite" restart="never" nodeType="tmRoot"/>
+        <p:cTn xmlns:p14="http://schemas.microsoft.com/office/powerpoint/2010/main" id="1" dur="indefinite" restart="never" nodeType="tmRoot"/>
       </p:par>
     </p:tnLst>
   </p:timing>
